--- a/의전 통합 시스템 개발 주간업무.pptx
+++ b/의전 통합 시스템 개발 주간업무.pptx
@@ -108,6 +108,11 @@
       </a:defRPr>
     </a:lvl9pPr>
   </p:defaultTextStyle>
+  <p:extLst>
+    <p:ext uri="{EFAFB233-063F-42B5-8137-9DF3F51BA10A}">
+      <p15:sldGuideLst xmlns:p15="http://schemas.microsoft.com/office/powerpoint/2012/main"/>
+    </p:ext>
+  </p:extLst>
 </p:presentation>
 </file>
 
@@ -3550,7 +3555,19 @@
                 <a:latin typeface="HY헤드라인M" pitchFamily="18" charset="-127"/>
                 <a:ea typeface="HY헤드라인M" pitchFamily="18" charset="-127"/>
               </a:rPr>
-              <a:t>효담상조</a:t>
+              <a:t>효담</a:t>
+            </a:r>
+            <a:r>
+              <a:rPr lang="ko-KR" altLang="en-US" sz="2000" b="1" dirty="0" smtClean="0">
+                <a:solidFill>
+                  <a:srgbClr val="2D2D8A">
+                    <a:lumMod val="75000"/>
+                  </a:srgbClr>
+                </a:solidFill>
+                <a:latin typeface="HY헤드라인M" pitchFamily="18" charset="-127"/>
+                <a:ea typeface="HY헤드라인M" pitchFamily="18" charset="-127"/>
+              </a:rPr>
+              <a:t> 상조</a:t>
             </a:r>
             <a:endParaRPr lang="ko-KR" altLang="en-US" sz="2000" b="1" dirty="0">
               <a:solidFill>
@@ -3656,17 +3673,7 @@
                 <a:latin typeface="맑은 고딕" pitchFamily="50" charset="-127"/>
                 <a:ea typeface="맑은 고딕" pitchFamily="50" charset="-127"/>
               </a:rPr>
-              <a:t>(</a:t>
-            </a:r>
-            <a:r>
-              <a:rPr lang="en-US" altLang="ko-KR" sz="1200" b="1" dirty="0">
-                <a:solidFill>
-                  <a:srgbClr val="000000"/>
-                </a:solidFill>
-                <a:latin typeface="맑은 고딕" pitchFamily="50" charset="-127"/>
-                <a:ea typeface="맑은 고딕" pitchFamily="50" charset="-127"/>
-              </a:rPr>
-              <a:t>2022.08.26.)</a:t>
+              <a:t>(2022.08.26.)</a:t>
             </a:r>
             <a:endParaRPr lang="ko-KR" altLang="en-US" sz="1200" b="1" dirty="0">
               <a:solidFill>
@@ -3954,42 +3961,42 @@
           <p:nvPr>
             <p:extLst>
               <p:ext uri="{D42A27DB-BD31-4B8C-83A1-F6EECF244321}">
-                <p14:modId xmlns:p14="http://schemas.microsoft.com/office/powerpoint/2010/main" val="1219528472"/>
+                <p14:modId xmlns:p14="http://schemas.microsoft.com/office/powerpoint/2010/main" val="3869371034"/>
               </p:ext>
             </p:extLst>
           </p:nvPr>
         </p:nvGraphicFramePr>
         <p:xfrm>
-          <a:off x="1420005" y="849143"/>
-          <a:ext cx="9296429" cy="5476098"/>
+          <a:off x="1420005" y="849145"/>
+          <a:ext cx="9335308" cy="5590668"/>
         </p:xfrm>
         <a:graphic>
           <a:graphicData uri="http://schemas.openxmlformats.org/drawingml/2006/table">
             <a:tbl>
               <a:tblPr/>
               <a:tblGrid>
-                <a:gridCol w="996935">
+                <a:gridCol w="1001104">
                   <a:extLst>
                     <a:ext uri="{9D8B030D-6E8A-4147-A177-3AD203B41FA5}">
                       <a16:colId xmlns:a16="http://schemas.microsoft.com/office/drawing/2014/main" val="20000"/>
                     </a:ext>
                   </a:extLst>
                 </a:gridCol>
-                <a:gridCol w="3704997">
+                <a:gridCol w="3720492">
                   <a:extLst>
                     <a:ext uri="{9D8B030D-6E8A-4147-A177-3AD203B41FA5}">
                       <a16:colId xmlns:a16="http://schemas.microsoft.com/office/drawing/2014/main" val="20001"/>
                     </a:ext>
                   </a:extLst>
                 </a:gridCol>
-                <a:gridCol w="1068750">
+                <a:gridCol w="1073220">
                   <a:extLst>
                     <a:ext uri="{9D8B030D-6E8A-4147-A177-3AD203B41FA5}">
                       <a16:colId xmlns:a16="http://schemas.microsoft.com/office/drawing/2014/main" val="3293846856"/>
                     </a:ext>
                   </a:extLst>
                 </a:gridCol>
-                <a:gridCol w="3525747">
+                <a:gridCol w="3540492">
                   <a:extLst>
                     <a:ext uri="{9D8B030D-6E8A-4147-A177-3AD203B41FA5}">
                       <a16:colId xmlns:a16="http://schemas.microsoft.com/office/drawing/2014/main" val="20002"/>
@@ -3997,7 +4004,7 @@
                   </a:extLst>
                 </a:gridCol>
               </a:tblGrid>
-              <a:tr h="349066">
+              <a:tr h="331807">
                 <a:tc rowSpan="2">
                   <a:txBody>
                     <a:bodyPr/>
@@ -4343,7 +4350,7 @@
                   </a:ext>
                 </a:extLst>
               </a:tr>
-              <a:tr h="319293">
+              <a:tr h="303507">
                 <a:tc vMerge="1">
                   <a:txBody>
                     <a:bodyPr/>
@@ -4822,186 +4829,74 @@
                   </a:ext>
                 </a:extLst>
               </a:tr>
-              <a:tr h="741065">
+              <a:tr h="480385">
                 <a:tc rowSpan="2">
                   <a:txBody>
                     <a:bodyPr/>
                     <a:lstStyle/>
                     <a:p>
-                      <a:pPr marL="85725" marR="0" lvl="0" indent="-85725" algn="ctr" defTabSz="384175" rtl="0" eaLnBrk="0" fontAlgn="base" latinLnBrk="0" hangingPunct="0">
-                        <a:lnSpc>
-                          <a:spcPct val="100000"/>
-                        </a:lnSpc>
+                      <a:pPr marL="85725" indent="-85725" algn="ctr" defTabSz="384175">
                         <a:spcBef>
                           <a:spcPts val="300"/>
                         </a:spcBef>
-                        <a:spcAft>
-                          <a:spcPct val="0"/>
-                        </a:spcAft>
-                        <a:buClrTx/>
-                        <a:buSzTx/>
-                        <a:buFont typeface="Wingdings" pitchFamily="2" charset="2"/>
-                        <a:buNone/>
-                        <a:tabLst/>
+                        <a:defRPr sz="1400">
+                          <a:latin typeface="맑은 고딕 Semilight"/>
+                          <a:ea typeface="맑은 고딕 Semilight"/>
+                          <a:cs typeface="맑은 고딕 Semilight"/>
+                          <a:sym typeface="맑은 고딕 Semilight"/>
+                        </a:defRPr>
                       </a:pPr>
                       <a:r>
-                        <a:rPr kumimoji="1" lang="ko-KR" altLang="en-US" sz="1200" b="0" i="0" u="none" strike="noStrike" cap="none" spc="-100" normalizeH="0" baseline="0" dirty="0">
-                          <a:ln>
-                            <a:noFill/>
-                          </a:ln>
-                          <a:solidFill>
-                            <a:schemeClr val="tx1"/>
-                          </a:solidFill>
-                          <a:effectLst/>
+                        <a:rPr sz="1200" spc="-100" baseline="0" dirty="0">
                           <a:latin typeface="맑은 고딕" panose="020B0503020000020004" pitchFamily="50" charset="-127"/>
                           <a:ea typeface="맑은 고딕" panose="020B0503020000020004" pitchFamily="50" charset="-127"/>
-                          <a:cs typeface="맑은 고딕 Semilight" panose="020B0502040204020203" pitchFamily="50" charset="-127"/>
-                          <a:sym typeface="Wingdings" pitchFamily="2" charset="2"/>
-                        </a:rPr>
-                        <a:t>전체 요약</a:t>
-                      </a:r>
-                      <a:endParaRPr kumimoji="1" lang="en-US" altLang="ko-KR" sz="1200" b="0" i="0" u="none" strike="noStrike" cap="none" spc="-100" normalizeH="0" baseline="0" dirty="0">
-                        <a:ln>
-                          <a:noFill/>
-                        </a:ln>
-                        <a:solidFill>
-                          <a:schemeClr val="tx1"/>
-                        </a:solidFill>
-                        <a:effectLst/>
+                        </a:rPr>
+                        <a:t>UI/UX</a:t>
+                      </a:r>
+                    </a:p>
+                    <a:p>
+                      <a:pPr marL="85725" indent="-85725" algn="ctr" defTabSz="384175">
+                        <a:spcBef>
+                          <a:spcPts val="300"/>
+                        </a:spcBef>
+                        <a:defRPr sz="1400">
+                          <a:latin typeface="맑은 고딕 Semilight"/>
+                          <a:ea typeface="맑은 고딕 Semilight"/>
+                          <a:cs typeface="맑은 고딕 Semilight"/>
+                          <a:sym typeface="맑은 고딕 Semilight"/>
+                        </a:defRPr>
+                      </a:pPr>
+                      <a:r>
+                        <a:rPr sz="1200" spc="-100" baseline="0" dirty="0" err="1">
+                          <a:latin typeface="맑은 고딕" panose="020B0503020000020004" pitchFamily="50" charset="-127"/>
+                          <a:ea typeface="맑은 고딕" panose="020B0503020000020004" pitchFamily="50" charset="-127"/>
+                        </a:rPr>
+                        <a:t>디자인</a:t>
+                      </a:r>
+                      <a:endParaRPr sz="1200" spc="-100" baseline="0" dirty="0">
                         <a:latin typeface="맑은 고딕" panose="020B0503020000020004" pitchFamily="50" charset="-127"/>
                         <a:ea typeface="맑은 고딕" panose="020B0503020000020004" pitchFamily="50" charset="-127"/>
-                        <a:cs typeface="맑은 고딕 Semilight" panose="020B0502040204020203" pitchFamily="50" charset="-127"/>
-                        <a:sym typeface="Wingdings" pitchFamily="2" charset="2"/>
                       </a:endParaRPr>
                     </a:p>
                     <a:p>
-                      <a:pPr marL="85725" marR="0" lvl="0" indent="-85725" algn="ctr" defTabSz="384175" rtl="0" eaLnBrk="0" fontAlgn="base" latinLnBrk="0" hangingPunct="0">
-                        <a:lnSpc>
-                          <a:spcPct val="100000"/>
-                        </a:lnSpc>
+                      <a:pPr marL="85725" indent="-85725" algn="ctr" defTabSz="384175">
                         <a:spcBef>
                           <a:spcPts val="300"/>
                         </a:spcBef>
-                        <a:spcAft>
-                          <a:spcPct val="0"/>
-                        </a:spcAft>
-                        <a:buClrTx/>
-                        <a:buSzTx/>
-                        <a:buFont typeface="Wingdings" pitchFamily="2" charset="2"/>
-                        <a:buNone/>
-                        <a:tabLst/>
+                        <a:defRPr sz="1400">
+                          <a:latin typeface="맑은 고딕 Semilight"/>
+                          <a:ea typeface="맑은 고딕 Semilight"/>
+                          <a:cs typeface="맑은 고딕 Semilight"/>
+                          <a:sym typeface="맑은 고딕 Semilight"/>
+                        </a:defRPr>
                       </a:pPr>
                       <a:r>
-                        <a:rPr kumimoji="1" lang="en-US" altLang="ko-KR" sz="1200" b="0" i="0" u="none" strike="noStrike" cap="none" spc="-100" normalizeH="0" baseline="0" dirty="0">
-                          <a:ln>
-                            <a:noFill/>
-                          </a:ln>
-                          <a:solidFill>
-                            <a:schemeClr val="tx1"/>
-                          </a:solidFill>
-                          <a:effectLst/>
+                        <a:rPr sz="1200" spc="-100" baseline="0" dirty="0">
                           <a:latin typeface="맑은 고딕" panose="020B0503020000020004" pitchFamily="50" charset="-127"/>
                           <a:ea typeface="맑은 고딕" panose="020B0503020000020004" pitchFamily="50" charset="-127"/>
-                          <a:cs typeface="맑은 고딕 Semilight" panose="020B0502040204020203" pitchFamily="50" charset="-127"/>
-                          <a:sym typeface="Wingdings" pitchFamily="2" charset="2"/>
-                        </a:rPr>
-                        <a:t>(</a:t>
-                      </a:r>
-                      <a:r>
-                        <a:rPr kumimoji="1" lang="ko-KR" altLang="en-US" sz="1200" b="0" i="0" u="none" strike="noStrike" cap="none" spc="-100" normalizeH="0" baseline="0" dirty="0" smtClean="0">
-                          <a:ln>
-                            <a:noFill/>
-                          </a:ln>
-                          <a:solidFill>
-                            <a:schemeClr val="tx1"/>
-                          </a:solidFill>
-                          <a:effectLst/>
-                          <a:latin typeface="맑은 고딕" panose="020B0503020000020004" pitchFamily="50" charset="-127"/>
-                          <a:ea typeface="맑은 고딕" panose="020B0503020000020004" pitchFamily="50" charset="-127"/>
-                          <a:cs typeface="맑은 고딕 Semilight" panose="020B0502040204020203" pitchFamily="50" charset="-127"/>
-                          <a:sym typeface="Wingdings" pitchFamily="2" charset="2"/>
-                        </a:rPr>
-                        <a:t>신인호</a:t>
-                      </a:r>
-                      <a:r>
-                        <a:rPr kumimoji="1" lang="en-US" altLang="ko-KR" sz="1200" b="0" i="0" u="none" strike="noStrike" cap="none" spc="-100" normalizeH="0" baseline="0" dirty="0" smtClean="0">
-                          <a:ln>
-                            <a:noFill/>
-                          </a:ln>
-                          <a:solidFill>
-                            <a:schemeClr val="tx1"/>
-                          </a:solidFill>
-                          <a:effectLst/>
-                          <a:latin typeface="맑은 고딕" panose="020B0503020000020004" pitchFamily="50" charset="-127"/>
-                          <a:ea typeface="맑은 고딕" panose="020B0503020000020004" pitchFamily="50" charset="-127"/>
-                          <a:cs typeface="맑은 고딕 Semilight" panose="020B0502040204020203" pitchFamily="50" charset="-127"/>
-                          <a:sym typeface="Wingdings" pitchFamily="2" charset="2"/>
-                        </a:rPr>
-                        <a:t>/</a:t>
-                      </a:r>
-                    </a:p>
-                    <a:p>
-                      <a:pPr marL="85725" marR="0" lvl="0" indent="-85725" algn="ctr" defTabSz="384175" rtl="0" eaLnBrk="0" fontAlgn="base" latinLnBrk="0" hangingPunct="0">
-                        <a:lnSpc>
-                          <a:spcPct val="100000"/>
-                        </a:lnSpc>
-                        <a:spcBef>
-                          <a:spcPts val="300"/>
-                        </a:spcBef>
-                        <a:spcAft>
-                          <a:spcPct val="0"/>
-                        </a:spcAft>
-                        <a:buClrTx/>
-                        <a:buSzTx/>
-                        <a:buFont typeface="Wingdings" pitchFamily="2" charset="2"/>
-                        <a:buNone/>
-                        <a:tabLst/>
-                      </a:pPr>
-                      <a:r>
-                        <a:rPr kumimoji="1" lang="ko-KR" altLang="en-US" sz="1200" b="0" i="0" u="none" strike="noStrike" cap="none" spc="-100" normalizeH="0" baseline="0" dirty="0" smtClean="0">
-                          <a:ln>
-                            <a:noFill/>
-                          </a:ln>
-                          <a:solidFill>
-                            <a:schemeClr val="tx1"/>
-                          </a:solidFill>
-                          <a:effectLst/>
-                          <a:latin typeface="맑은 고딕" panose="020B0503020000020004" pitchFamily="50" charset="-127"/>
-                          <a:ea typeface="맑은 고딕" panose="020B0503020000020004" pitchFamily="50" charset="-127"/>
-                          <a:cs typeface="맑은 고딕 Semilight" panose="020B0502040204020203" pitchFamily="50" charset="-127"/>
-                          <a:sym typeface="Wingdings" pitchFamily="2" charset="2"/>
-                        </a:rPr>
-                        <a:t>권구성</a:t>
-                      </a:r>
-                      <a:r>
-                        <a:rPr kumimoji="1" lang="en-US" altLang="ko-KR" sz="1200" b="0" i="0" u="none" strike="noStrike" cap="none" spc="-100" normalizeH="0" baseline="0" dirty="0" smtClean="0">
-                          <a:ln>
-                            <a:noFill/>
-                          </a:ln>
-                          <a:solidFill>
-                            <a:schemeClr val="tx1"/>
-                          </a:solidFill>
-                          <a:effectLst/>
-                          <a:latin typeface="맑은 고딕" panose="020B0503020000020004" pitchFamily="50" charset="-127"/>
-                          <a:ea typeface="맑은 고딕" panose="020B0503020000020004" pitchFamily="50" charset="-127"/>
-                          <a:cs typeface="맑은 고딕 Semilight" panose="020B0502040204020203" pitchFamily="50" charset="-127"/>
-                          <a:sym typeface="Wingdings" pitchFamily="2" charset="2"/>
-                        </a:rPr>
-                        <a:t>)</a:t>
-                      </a:r>
-                      <a:endParaRPr kumimoji="1" lang="en-US" altLang="ko-KR" sz="1200" b="0" i="0" u="none" strike="noStrike" cap="none" spc="-100" normalizeH="0" baseline="0" dirty="0">
-                        <a:ln>
-                          <a:noFill/>
-                        </a:ln>
-                        <a:solidFill>
-                          <a:schemeClr val="tx1"/>
-                        </a:solidFill>
-                        <a:effectLst/>
-                        <a:latin typeface="맑은 고딕" panose="020B0503020000020004" pitchFamily="50" charset="-127"/>
-                        <a:ea typeface="맑은 고딕" panose="020B0503020000020004" pitchFamily="50" charset="-127"/>
-                        <a:cs typeface="맑은 고딕 Semilight" panose="020B0502040204020203" pitchFamily="50" charset="-127"/>
-                        <a:sym typeface="Wingdings" pitchFamily="2" charset="2"/>
-                      </a:endParaRPr>
+                        </a:rPr>
+                        <a:t>(김현태)</a:t>
+                      </a:r>
                     </a:p>
                   </a:txBody>
                   <a:tcPr marL="72000" marR="72000" marT="72000" marB="72000" anchor="ctr" horzOverflow="overflow">
@@ -5067,41 +4962,37 @@
                     <a:bodyPr/>
                     <a:lstStyle/>
                     <a:p>
-                      <a:pPr marL="171450" marR="0" lvl="0" indent="-171450" algn="l" defTabSz="384175" rtl="0" eaLnBrk="0" fontAlgn="base" latinLnBrk="0" hangingPunct="0">
+                      <a:pPr marL="171450" indent="-171450" algn="l" defTabSz="384175">
                         <a:lnSpc>
                           <a:spcPct val="150000"/>
                         </a:lnSpc>
                         <a:spcBef>
                           <a:spcPts val="300"/>
                         </a:spcBef>
-                        <a:spcAft>
-                          <a:spcPct val="0"/>
-                        </a:spcAft>
-                        <a:buClrTx/>
-                        <a:buSzTx/>
                         <a:buFont typeface="Wingdings" panose="05000000000000000000" pitchFamily="2" charset="2"/>
                         <a:buChar char="§"/>
-                        <a:tabLst/>
-                        <a:defRPr/>
+                        <a:defRPr sz="1800"/>
                       </a:pPr>
-                      <a:endParaRPr kumimoji="1" lang="en-US" altLang="ko-KR" sz="1100" b="0" i="0" u="none" strike="noStrike" kern="1200" cap="none" spc="-100" normalizeH="0" baseline="0" noProof="0" dirty="0" smtClean="0">
-                        <a:ln>
-                          <a:noFill/>
-                        </a:ln>
+                      <a:r>
+                        <a:rPr lang="ko-KR" altLang="en-US" sz="1100" spc="-100" dirty="0" smtClean="0">
+                          <a:solidFill>
+                            <a:schemeClr val="tx1"/>
+                          </a:solidFill>
+                          <a:latin typeface="맑은 고딕" panose="020B0503020000020004" pitchFamily="50" charset="-127"/>
+                          <a:ea typeface="맑은 고딕" panose="020B0503020000020004" pitchFamily="50" charset="-127"/>
+                        </a:rPr>
+                        <a:t>정책 지원</a:t>
+                      </a:r>
+                      <a:endParaRPr lang="en-US" altLang="ko-KR" sz="1100" spc="-100" dirty="0" smtClean="0">
                         <a:solidFill>
                           <a:schemeClr val="tx1"/>
                         </a:solidFill>
-                        <a:effectLst/>
-                        <a:uLnTx/>
-                        <a:uFillTx/>
                         <a:latin typeface="맑은 고딕" panose="020B0503020000020004" pitchFamily="50" charset="-127"/>
                         <a:ea typeface="맑은 고딕" panose="020B0503020000020004" pitchFamily="50" charset="-127"/>
-                        <a:cs typeface="맑은 고딕 Semilight" panose="020B0502040204020203" pitchFamily="50" charset="-127"/>
-                        <a:sym typeface="Wingdings" pitchFamily="2" charset="2"/>
                       </a:endParaRPr>
                     </a:p>
                   </a:txBody>
-                  <a:tcPr marL="72000" marR="72000" marT="72000" marB="72000" horzOverflow="overflow">
+                  <a:tcPr marL="72000" marR="72000" marT="72000" marB="72000" anchor="ctr" horzOverflow="overflow">
                     <a:lnL w="9525" cap="flat" cmpd="sng" algn="ctr">
                       <a:solidFill>
                         <a:schemeClr val="tx1">
@@ -5163,92 +5054,64 @@
                     <a:bodyPr/>
                     <a:lstStyle/>
                     <a:p>
-                      <a:pPr marL="171450" marR="0" lvl="0" indent="-171450" algn="ctr" defTabSz="384175" rtl="0" eaLnBrk="0" fontAlgn="base" latinLnBrk="0" hangingPunct="0">
+                      <a:pPr marL="171450" indent="-171450" algn="ctr" defTabSz="384175">
                         <a:lnSpc>
                           <a:spcPct val="100000"/>
                         </a:lnSpc>
                         <a:spcBef>
                           <a:spcPts val="300"/>
                         </a:spcBef>
-                        <a:spcAft>
-                          <a:spcPct val="0"/>
-                        </a:spcAft>
-                        <a:buClrTx/>
-                        <a:buSzTx/>
-                        <a:buFont typeface="Wingdings" panose="05000000000000000000" pitchFamily="2" charset="2"/>
-                        <a:buChar char="§"/>
-                        <a:tabLst/>
-                        <a:defRPr/>
+                        <a:buSzPct val="100000"/>
+                        <a:buChar char="▪"/>
+                        <a:defRPr sz="1100">
+                          <a:latin typeface="맑은 고딕 Semilight"/>
+                          <a:ea typeface="맑은 고딕 Semilight"/>
+                          <a:cs typeface="맑은 고딕 Semilight"/>
+                          <a:sym typeface="맑은 고딕 Semilight"/>
+                        </a:defRPr>
                       </a:pPr>
-                      <a:endParaRPr kumimoji="1" lang="en-US" altLang="ko-KR" sz="1100" b="0" i="0" u="none" strike="noStrike" kern="1200" cap="none" spc="-100" normalizeH="0" baseline="0" noProof="0" dirty="0">
-                        <a:ln>
-                          <a:noFill/>
-                        </a:ln>
+                      <a:endParaRPr sz="1100" spc="-100" dirty="0">
                         <a:solidFill>
-                          <a:srgbClr val="FF0000"/>
+                          <a:schemeClr val="tx1"/>
                         </a:solidFill>
-                        <a:effectLst/>
-                        <a:uLnTx/>
-                        <a:uFillTx/>
                         <a:latin typeface="맑은 고딕" panose="020B0503020000020004" pitchFamily="50" charset="-127"/>
                         <a:ea typeface="맑은 고딕" panose="020B0503020000020004" pitchFamily="50" charset="-127"/>
-                        <a:cs typeface="맑은 고딕 Semilight" panose="020B0502040204020203" pitchFamily="50" charset="-127"/>
-                        <a:sym typeface="Wingdings" pitchFamily="2" charset="2"/>
                       </a:endParaRPr>
                     </a:p>
                     <a:p>
-                      <a:pPr marL="0" marR="0" lvl="0" indent="0" algn="ctr" defTabSz="384175" rtl="0" eaLnBrk="0" fontAlgn="base" latinLnBrk="0" hangingPunct="0">
+                      <a:pPr algn="ctr" defTabSz="384175">
                         <a:lnSpc>
                           <a:spcPct val="100000"/>
                         </a:lnSpc>
                         <a:spcBef>
                           <a:spcPts val="300"/>
                         </a:spcBef>
-                        <a:spcAft>
-                          <a:spcPct val="0"/>
-                        </a:spcAft>
-                        <a:buClrTx/>
-                        <a:buSzTx/>
-                        <a:buFont typeface="Wingdings" panose="05000000000000000000" pitchFamily="2" charset="2"/>
-                        <a:buNone/>
-                        <a:tabLst/>
-                        <a:defRPr/>
+                        <a:defRPr sz="1100">
+                          <a:latin typeface="맑은 고딕 Semilight"/>
+                          <a:ea typeface="맑은 고딕 Semilight"/>
+                          <a:cs typeface="맑은 고딕 Semilight"/>
+                          <a:sym typeface="맑은 고딕 Semilight"/>
+                        </a:defRPr>
                       </a:pPr>
                       <a:r>
-                        <a:rPr kumimoji="1" lang="en-US" altLang="ko-KR" sz="1100" b="0" i="0" u="none" strike="noStrike" kern="1200" cap="none" spc="-100" normalizeH="0" baseline="0" noProof="0" dirty="0" smtClean="0">
-                          <a:ln>
-                            <a:noFill/>
-                          </a:ln>
+                        <a:rPr sz="1100" spc="-100" dirty="0" smtClean="0">
                           <a:solidFill>
                             <a:schemeClr val="tx1"/>
                           </a:solidFill>
-                          <a:effectLst/>
-                          <a:uLnTx/>
-                          <a:uFillTx/>
                           <a:latin typeface="맑은 고딕" panose="020B0503020000020004" pitchFamily="50" charset="-127"/>
                           <a:ea typeface="맑은 고딕" panose="020B0503020000020004" pitchFamily="50" charset="-127"/>
-                          <a:cs typeface="맑은 고딕 Semilight" panose="020B0502040204020203" pitchFamily="50" charset="-127"/>
-                          <a:sym typeface="Wingdings" pitchFamily="2" charset="2"/>
-                        </a:rPr>
-                        <a:t>98% </a:t>
-                      </a:r>
-                      <a:r>
-                        <a:rPr kumimoji="1" lang="en-US" altLang="ko-KR" sz="1100" b="0" i="0" u="none" strike="noStrike" kern="1200" cap="none" spc="-100" normalizeH="0" baseline="0" noProof="0" dirty="0">
-                          <a:ln>
-                            <a:noFill/>
-                          </a:ln>
+                        </a:rPr>
+                        <a:t>97</a:t>
+                      </a:r>
+                      <a:r>
+                        <a:rPr sz="1100" spc="-100" dirty="0">
                           <a:solidFill>
                             <a:schemeClr val="tx1"/>
                           </a:solidFill>
-                          <a:effectLst/>
-                          <a:uLnTx/>
-                          <a:uFillTx/>
                           <a:latin typeface="맑은 고딕" panose="020B0503020000020004" pitchFamily="50" charset="-127"/>
                           <a:ea typeface="맑은 고딕" panose="020B0503020000020004" pitchFamily="50" charset="-127"/>
-                          <a:cs typeface="맑은 고딕 Semilight" panose="020B0502040204020203" pitchFamily="50" charset="-127"/>
-                          <a:sym typeface="Wingdings" pitchFamily="2" charset="2"/>
-                        </a:rPr>
-                        <a:t>/ 100%</a:t>
+                        </a:rPr>
+                        <a:t>% / 100%</a:t>
                       </a:r>
                     </a:p>
                   </a:txBody>
@@ -5314,7 +5177,35 @@
                     <a:bodyPr/>
                     <a:lstStyle/>
                     <a:p>
-                      <a:pPr marL="171450" marR="0" lvl="0" indent="-171450" algn="l" defTabSz="384175" rtl="0" eaLnBrk="0" fontAlgn="base" latinLnBrk="0" hangingPunct="0">
+                      <a:pPr marL="0" indent="0" algn="l" defTabSz="384175">
+                        <a:lnSpc>
+                          <a:spcPct val="150000"/>
+                        </a:lnSpc>
+                        <a:spcBef>
+                          <a:spcPts val="300"/>
+                        </a:spcBef>
+                        <a:buSzPct val="100000"/>
+                        <a:buNone/>
+                        <a:defRPr sz="1100" spc="-100">
+                          <a:solidFill>
+                            <a:srgbClr val="FF0000"/>
+                          </a:solidFill>
+                          <a:latin typeface="+mn-lt"/>
+                          <a:ea typeface="+mn-ea"/>
+                          <a:cs typeface="+mn-cs"/>
+                          <a:sym typeface="맑은 고딕"/>
+                        </a:defRPr>
+                      </a:pPr>
+                      <a:endParaRPr lang="en-US" altLang="ko-KR" sz="1100" spc="-100" dirty="0" smtClean="0">
+                        <a:solidFill>
+                          <a:schemeClr val="tx1"/>
+                        </a:solidFill>
+                        <a:latin typeface="맑은 고딕" panose="020B0503020000020004" pitchFamily="50" charset="-127"/>
+                        <a:ea typeface="맑은 고딕" panose="020B0503020000020004" pitchFamily="50" charset="-127"/>
+                      </a:endParaRPr>
+                    </a:p>
+                    <a:p>
+                      <a:pPr marL="171450" marR="0" lvl="0" indent="-171450" algn="l" defTabSz="384175" rtl="0" eaLnBrk="1" fontAlgn="auto" latinLnBrk="1" hangingPunct="1">
                         <a:lnSpc>
                           <a:spcPct val="150000"/>
                         </a:lnSpc>
@@ -5322,29 +5213,39 @@
                           <a:spcPts val="300"/>
                         </a:spcBef>
                         <a:spcAft>
-                          <a:spcPct val="0"/>
+                          <a:spcPts val="0"/>
                         </a:spcAft>
                         <a:buClrTx/>
-                        <a:buSzTx/>
-                        <a:buFont typeface="Wingdings" panose="05000000000000000000" pitchFamily="2" charset="2"/>
-                        <a:buChar char="§"/>
+                        <a:buSzPct val="100000"/>
+                        <a:buFontTx/>
+                        <a:buChar char="▪"/>
                         <a:tabLst/>
-                        <a:defRPr/>
+                        <a:defRPr sz="1100" spc="-100">
+                          <a:solidFill>
+                            <a:srgbClr val="FF0000"/>
+                          </a:solidFill>
+                          <a:latin typeface="+mn-lt"/>
+                          <a:ea typeface="+mn-ea"/>
+                          <a:cs typeface="+mn-cs"/>
+                          <a:sym typeface="맑은 고딕"/>
+                        </a:defRPr>
                       </a:pPr>
-                      <a:endParaRPr kumimoji="1" lang="en-US" altLang="ko-KR" sz="1100" b="0" i="0" u="none" strike="noStrike" kern="1200" cap="none" spc="-100" normalizeH="0" baseline="0" noProof="0" dirty="0" smtClean="0">
-                        <a:ln>
-                          <a:noFill/>
-                        </a:ln>
+                      <a:r>
+                        <a:rPr lang="ko-KR" altLang="en-US" sz="1100" spc="-100" dirty="0" smtClean="0">
+                          <a:solidFill>
+                            <a:schemeClr val="tx1"/>
+                          </a:solidFill>
+                          <a:latin typeface="맑은 고딕" panose="020B0503020000020004" pitchFamily="50" charset="-127"/>
+                          <a:ea typeface="맑은 고딕" panose="020B0503020000020004" pitchFamily="50" charset="-127"/>
+                        </a:rPr>
+                        <a:t>정책 지원</a:t>
+                      </a:r>
+                      <a:endParaRPr lang="en-US" altLang="ko-KR" sz="1100" spc="-100" dirty="0" smtClean="0">
                         <a:solidFill>
                           <a:schemeClr val="tx1"/>
                         </a:solidFill>
-                        <a:effectLst/>
-                        <a:uLnTx/>
-                        <a:uFillTx/>
                         <a:latin typeface="맑은 고딕" panose="020B0503020000020004" pitchFamily="50" charset="-127"/>
                         <a:ea typeface="맑은 고딕" panose="020B0503020000020004" pitchFamily="50" charset="-127"/>
-                        <a:cs typeface="맑은 고딕 Semilight" panose="020B0502040204020203" pitchFamily="50" charset="-127"/>
-                        <a:sym typeface="Wingdings" pitchFamily="2" charset="2"/>
                       </a:endParaRPr>
                     </a:p>
                   </a:txBody>
@@ -5412,14 +5313,13 @@
                   </a:ext>
                 </a:extLst>
               </a:tr>
-              <a:tr h="2190770">
+              <a:tr h="1130373">
                 <a:tc vMerge="1">
                   <a:txBody>
                     <a:bodyPr/>
                     <a:lstStyle/>
                     <a:p>
-                      <a:pPr latinLnBrk="1"/>
-                      <a:endParaRPr lang="ko-KR" altLang="en-US"/>
+                      <a:endParaRPr lang="ko-KR"/>
                     </a:p>
                   </a:txBody>
                   <a:tcPr/>
@@ -5429,8 +5329,7 @@
                     <a:bodyPr/>
                     <a:lstStyle/>
                     <a:p>
-                      <a:pPr latinLnBrk="1"/>
-                      <a:endParaRPr lang="ko-KR" altLang="en-US"/>
+                      <a:endParaRPr lang="ko-KR"/>
                     </a:p>
                   </a:txBody>
                   <a:tcPr/>
@@ -5440,142 +5339,83 @@
                     <a:bodyPr/>
                     <a:lstStyle/>
                     <a:p>
-                      <a:pPr marL="0" marR="0" lvl="0" indent="0" algn="ctr" defTabSz="384175" rtl="0" eaLnBrk="0" fontAlgn="base" latinLnBrk="0" hangingPunct="0">
+                      <a:pPr algn="ctr" defTabSz="384175">
                         <a:lnSpc>
                           <a:spcPct val="100000"/>
                         </a:lnSpc>
                         <a:spcBef>
                           <a:spcPts val="300"/>
                         </a:spcBef>
-                        <a:spcAft>
-                          <a:spcPct val="0"/>
-                        </a:spcAft>
-                        <a:buClrTx/>
-                        <a:buSzTx/>
-                        <a:buFont typeface="Wingdings" panose="05000000000000000000" pitchFamily="2" charset="2"/>
-                        <a:buNone/>
-                        <a:tabLst/>
-                        <a:defRPr/>
+                        <a:defRPr sz="1100">
+                          <a:latin typeface="맑은 고딕 Semilight"/>
+                          <a:ea typeface="맑은 고딕 Semilight"/>
+                          <a:cs typeface="맑은 고딕 Semilight"/>
+                          <a:sym typeface="맑은 고딕 Semilight"/>
+                        </a:defRPr>
                       </a:pPr>
-                      <a:endParaRPr kumimoji="1" lang="en-US" altLang="ko-KR" sz="1100" b="0" i="0" u="none" strike="noStrike" kern="1200" cap="none" spc="-100" normalizeH="0" baseline="0" noProof="0" dirty="0">
-                        <a:ln>
-                          <a:noFill/>
-                        </a:ln>
+                      <a:r>
+                        <a:rPr sz="1100" spc="-100" dirty="0" err="1" smtClean="0">
+                          <a:solidFill>
+                            <a:schemeClr val="tx1"/>
+                          </a:solidFill>
+                          <a:latin typeface="맑은 고딕" panose="020B0503020000020004" pitchFamily="50" charset="-127"/>
+                          <a:ea typeface="맑은 고딕" panose="020B0503020000020004" pitchFamily="50" charset="-127"/>
+                        </a:rPr>
+                        <a:t>전주</a:t>
+                      </a:r>
+                      <a:r>
+                        <a:rPr sz="1100" spc="-100" dirty="0" smtClean="0">
+                          <a:solidFill>
+                            <a:schemeClr val="tx1"/>
+                          </a:solidFill>
+                          <a:latin typeface="맑은 고딕" panose="020B0503020000020004" pitchFamily="50" charset="-127"/>
+                          <a:ea typeface="맑은 고딕" panose="020B0503020000020004" pitchFamily="50" charset="-127"/>
+                        </a:rPr>
+                        <a:t> </a:t>
+                      </a:r>
+                      <a:r>
+                        <a:rPr sz="1100" spc="-100" dirty="0" err="1">
+                          <a:solidFill>
+                            <a:schemeClr val="tx1"/>
+                          </a:solidFill>
+                          <a:latin typeface="맑은 고딕" panose="020B0503020000020004" pitchFamily="50" charset="-127"/>
+                          <a:ea typeface="맑은 고딕" panose="020B0503020000020004" pitchFamily="50" charset="-127"/>
+                        </a:rPr>
+                        <a:t>대비</a:t>
+                      </a:r>
+                      <a:endParaRPr sz="1100" spc="-100" dirty="0">
                         <a:solidFill>
                           <a:schemeClr val="tx1"/>
                         </a:solidFill>
-                        <a:effectLst/>
-                        <a:uLnTx/>
-                        <a:uFillTx/>
                         <a:latin typeface="맑은 고딕" panose="020B0503020000020004" pitchFamily="50" charset="-127"/>
                         <a:ea typeface="맑은 고딕" panose="020B0503020000020004" pitchFamily="50" charset="-127"/>
-                        <a:cs typeface="맑은 고딕 Semilight" panose="020B0502040204020203" pitchFamily="50" charset="-127"/>
-                        <a:sym typeface="Wingdings" pitchFamily="2" charset="2"/>
                       </a:endParaRPr>
                     </a:p>
                     <a:p>
-                      <a:pPr marL="0" marR="0" lvl="0" indent="0" algn="ctr" defTabSz="384175" rtl="0" eaLnBrk="0" fontAlgn="base" latinLnBrk="0" hangingPunct="0">
+                      <a:pPr algn="ctr" defTabSz="384175">
                         <a:lnSpc>
                           <a:spcPct val="100000"/>
                         </a:lnSpc>
                         <a:spcBef>
                           <a:spcPts val="300"/>
                         </a:spcBef>
-                        <a:spcAft>
-                          <a:spcPct val="0"/>
-                        </a:spcAft>
-                        <a:buClrTx/>
-                        <a:buSzTx/>
-                        <a:buFont typeface="Wingdings" panose="05000000000000000000" pitchFamily="2" charset="2"/>
-                        <a:buNone/>
-                        <a:tabLst/>
-                        <a:defRPr/>
+                        <a:defRPr sz="1100">
+                          <a:latin typeface="맑은 고딕 Semilight"/>
+                          <a:ea typeface="맑은 고딕 Semilight"/>
+                          <a:cs typeface="맑은 고딕 Semilight"/>
+                          <a:sym typeface="맑은 고딕 Semilight"/>
+                        </a:defRPr>
                       </a:pPr>
                       <a:r>
-                        <a:rPr kumimoji="1" lang="ko-KR" altLang="en-US" sz="1100" b="0" i="0" u="none" strike="noStrike" kern="1200" cap="none" spc="-100" normalizeH="0" baseline="0" noProof="0" dirty="0">
-                          <a:ln>
-                            <a:noFill/>
-                          </a:ln>
+                        <a:rPr sz="1100" spc="-100" dirty="0">
                           <a:solidFill>
                             <a:schemeClr val="tx1"/>
                           </a:solidFill>
-                          <a:effectLst/>
-                          <a:uLnTx/>
-                          <a:uFillTx/>
                           <a:latin typeface="맑은 고딕" panose="020B0503020000020004" pitchFamily="50" charset="-127"/>
                           <a:ea typeface="맑은 고딕" panose="020B0503020000020004" pitchFamily="50" charset="-127"/>
-                          <a:cs typeface="맑은 고딕 Semilight" panose="020B0502040204020203" pitchFamily="50" charset="-127"/>
-                          <a:sym typeface="Wingdings" pitchFamily="2" charset="2"/>
-                        </a:rPr>
-                        <a:t>전주 대비</a:t>
-                      </a:r>
-                      <a:endParaRPr kumimoji="1" lang="en-US" altLang="ko-KR" sz="1100" b="0" i="0" u="none" strike="noStrike" kern="1200" cap="none" spc="-100" normalizeH="0" baseline="0" noProof="0" dirty="0">
-                        <a:ln>
-                          <a:noFill/>
-                        </a:ln>
-                        <a:solidFill>
-                          <a:schemeClr val="tx1"/>
-                        </a:solidFill>
-                        <a:effectLst/>
-                        <a:uLnTx/>
-                        <a:uFillTx/>
-                        <a:latin typeface="맑은 고딕" panose="020B0503020000020004" pitchFamily="50" charset="-127"/>
-                        <a:ea typeface="맑은 고딕" panose="020B0503020000020004" pitchFamily="50" charset="-127"/>
-                        <a:cs typeface="맑은 고딕 Semilight" panose="020B0502040204020203" pitchFamily="50" charset="-127"/>
-                        <a:sym typeface="Wingdings" pitchFamily="2" charset="2"/>
-                      </a:endParaRPr>
-                    </a:p>
-                    <a:p>
-                      <a:pPr marL="0" marR="0" lvl="0" indent="0" algn="ctr" defTabSz="384175" rtl="0" eaLnBrk="0" fontAlgn="base" latinLnBrk="0" hangingPunct="0">
-                        <a:lnSpc>
-                          <a:spcPct val="100000"/>
-                        </a:lnSpc>
-                        <a:spcBef>
-                          <a:spcPts val="300"/>
-                        </a:spcBef>
-                        <a:spcAft>
-                          <a:spcPct val="0"/>
-                        </a:spcAft>
-                        <a:buClrTx/>
-                        <a:buSzTx/>
-                        <a:buFont typeface="Wingdings" panose="05000000000000000000" pitchFamily="2" charset="2"/>
-                        <a:buNone/>
-                        <a:tabLst/>
-                        <a:defRPr/>
-                      </a:pPr>
-                      <a:r>
-                        <a:rPr kumimoji="1" lang="en-US" altLang="ko-KR" sz="1100" b="0" i="0" u="none" strike="noStrike" kern="1200" cap="none" spc="-100" normalizeH="0" baseline="0" noProof="0" dirty="0" smtClean="0">
-                          <a:ln>
-                            <a:noFill/>
-                          </a:ln>
-                          <a:solidFill>
-                            <a:schemeClr val="tx1"/>
-                          </a:solidFill>
-                          <a:effectLst/>
-                          <a:uLnTx/>
-                          <a:uFillTx/>
-                          <a:latin typeface="맑은 고딕" panose="020B0503020000020004" pitchFamily="50" charset="-127"/>
-                          <a:ea typeface="맑은 고딕" panose="020B0503020000020004" pitchFamily="50" charset="-127"/>
-                          <a:cs typeface="맑은 고딕 Semilight" panose="020B0502040204020203" pitchFamily="50" charset="-127"/>
-                          <a:sym typeface="Wingdings" pitchFamily="2" charset="2"/>
-                        </a:rPr>
-                        <a:t>+3%</a:t>
-                      </a:r>
-                      <a:endParaRPr kumimoji="1" lang="en-US" altLang="ko-KR" sz="1100" b="0" i="0" u="none" strike="noStrike" kern="1200" cap="none" spc="-100" normalizeH="0" baseline="0" noProof="0" dirty="0">
-                        <a:ln>
-                          <a:noFill/>
-                        </a:ln>
-                        <a:solidFill>
-                          <a:schemeClr val="tx1"/>
-                        </a:solidFill>
-                        <a:effectLst/>
-                        <a:uLnTx/>
-                        <a:uFillTx/>
-                        <a:latin typeface="맑은 고딕" panose="020B0503020000020004" pitchFamily="50" charset="-127"/>
-                        <a:ea typeface="맑은 고딕" panose="020B0503020000020004" pitchFamily="50" charset="-127"/>
-                        <a:cs typeface="맑은 고딕 Semilight" panose="020B0502040204020203" pitchFamily="50" charset="-127"/>
-                        <a:sym typeface="Wingdings" pitchFamily="2" charset="2"/>
-                      </a:endParaRPr>
+                        </a:rPr>
+                        <a:t>+2%</a:t>
+                      </a:r>
                     </a:p>
                   </a:txBody>
                   <a:tcPr marL="72000" marR="72000" marT="72000" marB="72000" horzOverflow="overflow">
@@ -5640,8 +5480,7 @@
                     <a:bodyPr/>
                     <a:lstStyle/>
                     <a:p>
-                      <a:pPr latinLnBrk="1"/>
-                      <a:endParaRPr lang="ko-KR" altLang="en-US"/>
+                      <a:endParaRPr lang="ko-KR"/>
                     </a:p>
                   </a:txBody>
                   <a:tcPr/>
@@ -5652,246 +5491,99 @@
                   </a:ext>
                 </a:extLst>
               </a:tr>
-              <a:tr h="721256">
+              <a:tr h="531235">
                 <a:tc rowSpan="2">
                   <a:txBody>
                     <a:bodyPr/>
                     <a:lstStyle/>
                     <a:p>
-                      <a:pPr marL="85725" marR="0" lvl="0" indent="-85725" algn="ctr" defTabSz="384175" rtl="0" eaLnBrk="0" fontAlgn="base" latinLnBrk="0" hangingPunct="0">
-                        <a:lnSpc>
-                          <a:spcPct val="100000"/>
-                        </a:lnSpc>
+                      <a:pPr marL="85725" indent="-85725" algn="ctr" defTabSz="384175">
                         <a:spcBef>
                           <a:spcPts val="300"/>
                         </a:spcBef>
-                        <a:spcAft>
-                          <a:spcPct val="0"/>
-                        </a:spcAft>
-                        <a:buClrTx/>
-                        <a:buSzTx/>
-                        <a:buFont typeface="Wingdings" pitchFamily="2" charset="2"/>
-                        <a:buNone/>
-                        <a:tabLst/>
+                        <a:defRPr sz="1400">
+                          <a:latin typeface="맑은 고딕 Semilight"/>
+                          <a:ea typeface="맑은 고딕 Semilight"/>
+                          <a:cs typeface="맑은 고딕 Semilight"/>
+                          <a:sym typeface="맑은 고딕 Semilight"/>
+                        </a:defRPr>
                       </a:pPr>
                       <a:r>
-                        <a:rPr kumimoji="1" lang="en-US" altLang="ko-KR" sz="1200" b="0" i="0" u="none" strike="noStrike" cap="none" spc="-100" normalizeH="0" baseline="0" dirty="0">
-                          <a:ln>
-                            <a:noFill/>
-                          </a:ln>
-                          <a:solidFill>
-                            <a:schemeClr val="tx1"/>
-                          </a:solidFill>
-                          <a:effectLst/>
+                        <a:rPr sz="1200" spc="-100" baseline="0" dirty="0" err="1">
                           <a:latin typeface="맑은 고딕" panose="020B0503020000020004" pitchFamily="50" charset="-127"/>
                           <a:ea typeface="맑은 고딕" panose="020B0503020000020004" pitchFamily="50" charset="-127"/>
-                          <a:cs typeface="맑은 고딕 Semilight" panose="020B0502040204020203" pitchFamily="50" charset="-127"/>
-                          <a:sym typeface="Wingdings" pitchFamily="2" charset="2"/>
-                        </a:rPr>
-                        <a:t>E-</a:t>
-                      </a:r>
-                      <a:r>
-                        <a:rPr kumimoji="1" lang="ko-KR" altLang="en-US" sz="1200" b="0" i="0" u="none" strike="noStrike" cap="none" spc="-100" normalizeH="0" baseline="0" dirty="0">
-                          <a:ln>
-                            <a:noFill/>
-                          </a:ln>
-                          <a:solidFill>
-                            <a:schemeClr val="tx1"/>
-                          </a:solidFill>
-                          <a:effectLst/>
+                        </a:rPr>
+                        <a:t>프론트</a:t>
+                      </a:r>
+                      <a:r>
+                        <a:rPr sz="1200" spc="-100" baseline="0" dirty="0">
                           <a:latin typeface="맑은 고딕" panose="020B0503020000020004" pitchFamily="50" charset="-127"/>
                           <a:ea typeface="맑은 고딕" panose="020B0503020000020004" pitchFamily="50" charset="-127"/>
-                          <a:cs typeface="맑은 고딕 Semilight" panose="020B0502040204020203" pitchFamily="50" charset="-127"/>
-                          <a:sym typeface="Wingdings" pitchFamily="2" charset="2"/>
-                        </a:rPr>
-                        <a:t>상품권</a:t>
-                      </a:r>
-                      <a:endParaRPr kumimoji="1" lang="en-US" altLang="ko-KR" sz="1200" b="0" i="0" u="none" strike="noStrike" cap="none" spc="-100" normalizeH="0" baseline="0" dirty="0">
-                        <a:ln>
-                          <a:noFill/>
-                        </a:ln>
-                        <a:solidFill>
-                          <a:schemeClr val="tx1"/>
-                        </a:solidFill>
-                        <a:effectLst/>
+                        </a:rPr>
+                        <a:t> </a:t>
+                      </a:r>
+                      <a:r>
+                        <a:rPr sz="1200" spc="-100" baseline="0" dirty="0" err="1">
+                          <a:latin typeface="맑은 고딕" panose="020B0503020000020004" pitchFamily="50" charset="-127"/>
+                          <a:ea typeface="맑은 고딕" panose="020B0503020000020004" pitchFamily="50" charset="-127"/>
+                        </a:rPr>
+                        <a:t>개발</a:t>
+                      </a:r>
+                      <a:endParaRPr sz="1200" spc="-100" baseline="0" dirty="0">
                         <a:latin typeface="맑은 고딕" panose="020B0503020000020004" pitchFamily="50" charset="-127"/>
                         <a:ea typeface="맑은 고딕" panose="020B0503020000020004" pitchFamily="50" charset="-127"/>
-                        <a:cs typeface="맑은 고딕 Semilight" panose="020B0502040204020203" pitchFamily="50" charset="-127"/>
-                        <a:sym typeface="Wingdings" pitchFamily="2" charset="2"/>
                       </a:endParaRPr>
                     </a:p>
                     <a:p>
-                      <a:pPr marL="85725" marR="0" lvl="0" indent="-85725" algn="ctr" defTabSz="384175" rtl="0" eaLnBrk="0" fontAlgn="base" latinLnBrk="0" hangingPunct="0">
-                        <a:lnSpc>
-                          <a:spcPct val="100000"/>
-                        </a:lnSpc>
+                      <a:pPr marL="85725" indent="-85725" algn="ctr" defTabSz="384175">
                         <a:spcBef>
                           <a:spcPts val="300"/>
                         </a:spcBef>
-                        <a:spcAft>
-                          <a:spcPct val="0"/>
-                        </a:spcAft>
-                        <a:buClrTx/>
-                        <a:buSzTx/>
-                        <a:buFont typeface="Wingdings" pitchFamily="2" charset="2"/>
-                        <a:buNone/>
-                        <a:tabLst/>
+                        <a:defRPr sz="1400">
+                          <a:latin typeface="맑은 고딕 Semilight"/>
+                          <a:ea typeface="맑은 고딕 Semilight"/>
+                          <a:cs typeface="맑은 고딕 Semilight"/>
+                          <a:sym typeface="맑은 고딕 Semilight"/>
+                        </a:defRPr>
                       </a:pPr>
                       <a:r>
-                        <a:rPr kumimoji="1" lang="ko-KR" altLang="en-US" sz="1200" b="0" i="0" u="none" strike="noStrike" cap="none" spc="-100" normalizeH="0" baseline="0" dirty="0">
-                          <a:ln>
-                            <a:noFill/>
-                          </a:ln>
-                          <a:solidFill>
-                            <a:schemeClr val="tx1"/>
-                          </a:solidFill>
-                          <a:effectLst/>
+                        <a:rPr sz="1200" spc="-100" baseline="0" dirty="0">
                           <a:latin typeface="맑은 고딕" panose="020B0503020000020004" pitchFamily="50" charset="-127"/>
                           <a:ea typeface="맑은 고딕" panose="020B0503020000020004" pitchFamily="50" charset="-127"/>
-                          <a:cs typeface="맑은 고딕 Semilight" panose="020B0502040204020203" pitchFamily="50" charset="-127"/>
-                          <a:sym typeface="Wingdings" pitchFamily="2" charset="2"/>
-                        </a:rPr>
-                        <a:t>포유몰</a:t>
-                      </a:r>
-                      <a:endParaRPr kumimoji="1" lang="en-US" altLang="ko-KR" sz="1200" b="0" i="0" u="none" strike="noStrike" cap="none" spc="-100" normalizeH="0" baseline="0" dirty="0">
-                        <a:ln>
-                          <a:noFill/>
-                        </a:ln>
-                        <a:solidFill>
-                          <a:schemeClr val="tx1"/>
-                        </a:solidFill>
-                        <a:effectLst/>
-                        <a:latin typeface="맑은 고딕" panose="020B0503020000020004" pitchFamily="50" charset="-127"/>
-                        <a:ea typeface="맑은 고딕" panose="020B0503020000020004" pitchFamily="50" charset="-127"/>
-                        <a:cs typeface="맑은 고딕 Semilight" panose="020B0502040204020203" pitchFamily="50" charset="-127"/>
-                        <a:sym typeface="Wingdings" pitchFamily="2" charset="2"/>
-                      </a:endParaRPr>
+                        </a:rPr>
+                        <a:t>(곽태민)</a:t>
+                      </a:r>
                     </a:p>
                     <a:p>
-                      <a:pPr marL="85725" marR="0" lvl="0" indent="-85725" algn="ctr" defTabSz="384175" rtl="0" eaLnBrk="0" fontAlgn="base" latinLnBrk="0" hangingPunct="0">
-                        <a:lnSpc>
-                          <a:spcPct val="100000"/>
-                        </a:lnSpc>
+                      <a:pPr marL="85725" indent="-85725" algn="ctr" defTabSz="384175">
                         <a:spcBef>
                           <a:spcPts val="300"/>
                         </a:spcBef>
-                        <a:spcAft>
-                          <a:spcPct val="0"/>
-                        </a:spcAft>
-                        <a:buClrTx/>
-                        <a:buSzTx/>
-                        <a:buFont typeface="Wingdings" pitchFamily="2" charset="2"/>
-                        <a:buNone/>
-                        <a:tabLst/>
+                        <a:defRPr sz="1400">
+                          <a:latin typeface="맑은 고딕 Semilight"/>
+                          <a:ea typeface="맑은 고딕 Semilight"/>
+                          <a:cs typeface="맑은 고딕 Semilight"/>
+                          <a:sym typeface="맑은 고딕 Semilight"/>
+                        </a:defRPr>
                       </a:pPr>
                       <a:r>
-                        <a:rPr kumimoji="1" lang="en-US" altLang="ko-KR" sz="1200" b="0" i="0" u="none" strike="noStrike" cap="none" spc="-100" normalizeH="0" baseline="0" dirty="0">
-                          <a:ln>
-                            <a:noFill/>
-                          </a:ln>
-                          <a:solidFill>
-                            <a:schemeClr val="tx1"/>
-                          </a:solidFill>
-                          <a:effectLst/>
+                        <a:rPr sz="1200" spc="-100" baseline="0" dirty="0">
                           <a:latin typeface="맑은 고딕" panose="020B0503020000020004" pitchFamily="50" charset="-127"/>
                           <a:ea typeface="맑은 고딕" panose="020B0503020000020004" pitchFamily="50" charset="-127"/>
-                          <a:cs typeface="맑은 고딕 Semilight" panose="020B0502040204020203" pitchFamily="50" charset="-127"/>
-                          <a:sym typeface="Wingdings" pitchFamily="2" charset="2"/>
                         </a:rPr>
                         <a:t>(</a:t>
                       </a:r>
                       <a:r>
-                        <a:rPr kumimoji="1" lang="ko-KR" altLang="en-US" sz="1200" b="0" i="0" u="none" strike="noStrike" cap="none" spc="-100" normalizeH="0" baseline="0" dirty="0">
-                          <a:ln>
-                            <a:noFill/>
-                          </a:ln>
-                          <a:solidFill>
-                            <a:schemeClr val="tx1"/>
-                          </a:solidFill>
-                          <a:effectLst/>
+                        <a:rPr sz="1200" spc="-100" baseline="0" dirty="0" err="1">
                           <a:latin typeface="맑은 고딕" panose="020B0503020000020004" pitchFamily="50" charset="-127"/>
                           <a:ea typeface="맑은 고딕" panose="020B0503020000020004" pitchFamily="50" charset="-127"/>
-                          <a:cs typeface="맑은 고딕 Semilight" panose="020B0502040204020203" pitchFamily="50" charset="-127"/>
-                          <a:sym typeface="Wingdings" pitchFamily="2" charset="2"/>
-                        </a:rPr>
-                        <a:t>신인호</a:t>
-                      </a:r>
-                      <a:endParaRPr kumimoji="1" lang="en-US" altLang="ko-KR" sz="1200" b="0" i="0" u="none" strike="noStrike" cap="none" spc="-100" normalizeH="0" baseline="0" dirty="0">
-                        <a:ln>
-                          <a:noFill/>
-                        </a:ln>
-                        <a:solidFill>
-                          <a:schemeClr val="tx1"/>
-                        </a:solidFill>
-                        <a:effectLst/>
-                        <a:latin typeface="맑은 고딕" panose="020B0503020000020004" pitchFamily="50" charset="-127"/>
-                        <a:ea typeface="맑은 고딕" panose="020B0503020000020004" pitchFamily="50" charset="-127"/>
-                        <a:cs typeface="맑은 고딕 Semilight" panose="020B0502040204020203" pitchFamily="50" charset="-127"/>
-                        <a:sym typeface="Wingdings" pitchFamily="2" charset="2"/>
-                      </a:endParaRPr>
-                    </a:p>
-                    <a:p>
-                      <a:pPr marL="85725" marR="0" lvl="0" indent="-85725" algn="ctr" defTabSz="384175" rtl="0" eaLnBrk="0" fontAlgn="base" latinLnBrk="0" hangingPunct="0">
-                        <a:lnSpc>
-                          <a:spcPct val="100000"/>
-                        </a:lnSpc>
-                        <a:spcBef>
-                          <a:spcPts val="300"/>
-                        </a:spcBef>
-                        <a:spcAft>
-                          <a:spcPct val="0"/>
-                        </a:spcAft>
-                        <a:buClrTx/>
-                        <a:buSzTx/>
-                        <a:buFont typeface="Wingdings" pitchFamily="2" charset="2"/>
-                        <a:buNone/>
-                        <a:tabLst/>
-                      </a:pPr>
-                      <a:r>
-                        <a:rPr kumimoji="1" lang="en-US" altLang="ko-KR" sz="1200" b="0" i="0" u="none" strike="noStrike" cap="none" spc="-100" normalizeH="0" baseline="0" dirty="0">
-                          <a:ln>
-                            <a:noFill/>
-                          </a:ln>
-                          <a:solidFill>
-                            <a:schemeClr val="tx1"/>
-                          </a:solidFill>
-                          <a:effectLst/>
+                        </a:rPr>
+                        <a:t>앤트썸</a:t>
+                      </a:r>
+                      <a:r>
+                        <a:rPr sz="1200" spc="-100" baseline="0" dirty="0">
                           <a:latin typeface="맑은 고딕" panose="020B0503020000020004" pitchFamily="50" charset="-127"/>
                           <a:ea typeface="맑은 고딕" panose="020B0503020000020004" pitchFamily="50" charset="-127"/>
-                          <a:cs typeface="맑은 고딕 Semilight" panose="020B0502040204020203" pitchFamily="50" charset="-127"/>
-                          <a:sym typeface="Wingdings" pitchFamily="2" charset="2"/>
-                        </a:rPr>
-                        <a:t>/</a:t>
-                      </a:r>
-                      <a:r>
-                        <a:rPr kumimoji="1" lang="ko-KR" altLang="en-US" sz="1200" b="0" i="0" u="none" strike="noStrike" cap="none" spc="-100" normalizeH="0" baseline="0" dirty="0">
-                          <a:ln>
-                            <a:noFill/>
-                          </a:ln>
-                          <a:solidFill>
-                            <a:schemeClr val="tx1"/>
-                          </a:solidFill>
-                          <a:effectLst/>
-                          <a:latin typeface="맑은 고딕" panose="020B0503020000020004" pitchFamily="50" charset="-127"/>
-                          <a:ea typeface="맑은 고딕" panose="020B0503020000020004" pitchFamily="50" charset="-127"/>
-                          <a:cs typeface="맑은 고딕 Semilight" panose="020B0502040204020203" pitchFamily="50" charset="-127"/>
-                          <a:sym typeface="Wingdings" pitchFamily="2" charset="2"/>
-                        </a:rPr>
-                        <a:t>심재완</a:t>
-                      </a:r>
-                      <a:r>
-                        <a:rPr kumimoji="1" lang="en-US" altLang="ko-KR" sz="1200" b="0" i="0" u="none" strike="noStrike" cap="none" spc="-100" normalizeH="0" baseline="0" dirty="0">
-                          <a:ln>
-                            <a:noFill/>
-                          </a:ln>
-                          <a:solidFill>
-                            <a:schemeClr val="tx1"/>
-                          </a:solidFill>
-                          <a:effectLst/>
-                          <a:latin typeface="맑은 고딕" panose="020B0503020000020004" pitchFamily="50" charset="-127"/>
-                          <a:ea typeface="맑은 고딕" panose="020B0503020000020004" pitchFamily="50" charset="-127"/>
-                          <a:cs typeface="맑은 고딕 Semilight" panose="020B0502040204020203" pitchFamily="50" charset="-127"/>
-                          <a:sym typeface="Wingdings" pitchFamily="2" charset="2"/>
                         </a:rPr>
                         <a:t>)</a:t>
                       </a:r>
@@ -5960,31 +5652,436 @@
                     <a:bodyPr/>
                     <a:lstStyle/>
                     <a:p>
-                      <a:pPr marL="171450" marR="0" indent="-171450" algn="l" defTabSz="914400" rtl="0" eaLnBrk="1" fontAlgn="base" latinLnBrk="1" hangingPunct="1">
+                      <a:pPr marL="171450" indent="-171450" algn="l" defTabSz="384175">
                         <a:lnSpc>
                           <a:spcPct val="150000"/>
                         </a:lnSpc>
                         <a:spcBef>
-                          <a:spcPts val="0"/>
+                          <a:spcPts val="300"/>
                         </a:spcBef>
-                        <a:spcAft>
-                          <a:spcPts val="0"/>
-                        </a:spcAft>
-                        <a:buClrTx/>
-                        <a:buSzTx/>
-                        <a:buFont typeface="Wingdings" panose="05000000000000000000" pitchFamily="2" charset="2"/>
-                        <a:buChar char="§"/>
-                        <a:tabLst/>
-                        <a:defRPr/>
+                        <a:buSzPct val="100000"/>
+                        <a:buChar char="▪"/>
+                        <a:defRPr sz="1100" spc="-100">
+                          <a:solidFill>
+                            <a:srgbClr val="FF0000"/>
+                          </a:solidFill>
+                          <a:latin typeface="+mn-lt"/>
+                          <a:ea typeface="+mn-ea"/>
+                          <a:cs typeface="+mn-cs"/>
+                          <a:sym typeface="맑은 고딕"/>
+                        </a:defRPr>
                       </a:pPr>
-                      <a:endParaRPr lang="en-US" altLang="ko-KR" sz="1100" kern="1200" spc="-100" baseline="0" dirty="0" smtClean="0">
+                      <a:r>
+                        <a:rPr lang="en-US" altLang="ko-KR" smtClean="0">
+                          <a:solidFill>
+                            <a:schemeClr val="tx1"/>
+                          </a:solidFill>
+                          <a:latin typeface="맑은 고딕" panose="020B0503020000020004" pitchFamily="50" charset="-127"/>
+                          <a:ea typeface="맑은 고딕" panose="020B0503020000020004" pitchFamily="50" charset="-127"/>
+                        </a:rPr>
+                        <a:t>QA </a:t>
+                      </a:r>
+                      <a:r>
+                        <a:rPr lang="ko-KR" altLang="en-US" smtClean="0">
+                          <a:solidFill>
+                            <a:schemeClr val="tx1"/>
+                          </a:solidFill>
+                          <a:latin typeface="맑은 고딕" panose="020B0503020000020004" pitchFamily="50" charset="-127"/>
+                          <a:ea typeface="맑은 고딕" panose="020B0503020000020004" pitchFamily="50" charset="-127"/>
+                        </a:rPr>
+                        <a:t>대응</a:t>
+                      </a:r>
+                    </a:p>
+                    <a:p>
+                      <a:pPr marL="171450" indent="-171450" algn="l" defTabSz="384175">
+                        <a:lnSpc>
+                          <a:spcPct val="150000"/>
+                        </a:lnSpc>
+                        <a:spcBef>
+                          <a:spcPts val="300"/>
+                        </a:spcBef>
+                        <a:buSzPct val="100000"/>
+                        <a:buChar char="-"/>
+                        <a:defRPr sz="1100" spc="-100">
+                          <a:solidFill>
+                            <a:srgbClr val="FF0000"/>
+                          </a:solidFill>
+                          <a:latin typeface="+mn-lt"/>
+                          <a:ea typeface="+mn-ea"/>
+                          <a:cs typeface="+mn-cs"/>
+                          <a:sym typeface="맑은 고딕"/>
+                        </a:defRPr>
+                      </a:pPr>
+                      <a:r>
+                        <a:rPr lang="ko-KR" altLang="en-US" smtClean="0">
+                          <a:solidFill>
+                            <a:schemeClr val="tx1"/>
+                          </a:solidFill>
+                          <a:latin typeface="맑은 고딕" panose="020B0503020000020004" pitchFamily="50" charset="-127"/>
+                          <a:ea typeface="맑은 고딕" panose="020B0503020000020004" pitchFamily="50" charset="-127"/>
+                        </a:rPr>
+                        <a:t>배틀방 수정요청 선대응</a:t>
+                      </a:r>
+                    </a:p>
+                    <a:p>
+                      <a:pPr marL="171450" indent="-171450" algn="l" defTabSz="384175">
+                        <a:lnSpc>
+                          <a:spcPct val="150000"/>
+                        </a:lnSpc>
+                        <a:spcBef>
+                          <a:spcPts val="300"/>
+                        </a:spcBef>
+                        <a:buSzPct val="100000"/>
+                        <a:buChar char="▪"/>
+                        <a:defRPr sz="1100" spc="-100">
+                          <a:solidFill>
+                            <a:srgbClr val="FF0000"/>
+                          </a:solidFill>
+                          <a:latin typeface="+mn-lt"/>
+                          <a:ea typeface="+mn-ea"/>
+                          <a:cs typeface="+mn-cs"/>
+                          <a:sym typeface="맑은 고딕"/>
+                        </a:defRPr>
+                      </a:pPr>
+                      <a:r>
+                        <a:rPr lang="en-US" altLang="ko-KR" smtClean="0">
+                          <a:solidFill>
+                            <a:schemeClr val="tx1"/>
+                          </a:solidFill>
+                          <a:latin typeface="맑은 고딕" panose="020B0503020000020004" pitchFamily="50" charset="-127"/>
+                          <a:ea typeface="맑은 고딕" panose="020B0503020000020004" pitchFamily="50" charset="-127"/>
+                        </a:rPr>
+                        <a:t>Background Service </a:t>
+                      </a:r>
+                      <a:r>
+                        <a:rPr lang="ko-KR" altLang="en-US" smtClean="0">
+                          <a:solidFill>
+                            <a:schemeClr val="tx1"/>
+                          </a:solidFill>
+                          <a:latin typeface="맑은 고딕" panose="020B0503020000020004" pitchFamily="50" charset="-127"/>
+                          <a:ea typeface="맑은 고딕" panose="020B0503020000020004" pitchFamily="50" charset="-127"/>
+                        </a:rPr>
+                        <a:t>개발</a:t>
+                      </a:r>
+                      <a:r>
+                        <a:rPr lang="en-US" altLang="ko-KR" smtClean="0">
+                          <a:solidFill>
+                            <a:schemeClr val="tx1"/>
+                          </a:solidFill>
+                          <a:latin typeface="맑은 고딕" panose="020B0503020000020004" pitchFamily="50" charset="-127"/>
+                          <a:ea typeface="맑은 고딕" panose="020B0503020000020004" pitchFamily="50" charset="-127"/>
+                        </a:rPr>
+                        <a:t>(</a:t>
+                      </a:r>
+                      <a:r>
+                        <a:rPr lang="ko-KR" altLang="en-US" smtClean="0">
+                          <a:solidFill>
+                            <a:schemeClr val="tx1"/>
+                          </a:solidFill>
+                          <a:latin typeface="맑은 고딕" panose="020B0503020000020004" pitchFamily="50" charset="-127"/>
+                          <a:ea typeface="맑은 고딕" panose="020B0503020000020004" pitchFamily="50" charset="-127"/>
+                        </a:rPr>
+                        <a:t>테스트 및 수정</a:t>
+                      </a:r>
+                      <a:r>
+                        <a:rPr lang="en-US" altLang="ko-KR" smtClean="0">
+                          <a:solidFill>
+                            <a:schemeClr val="tx1"/>
+                          </a:solidFill>
+                          <a:latin typeface="맑은 고딕" panose="020B0503020000020004" pitchFamily="50" charset="-127"/>
+                          <a:ea typeface="맑은 고딕" panose="020B0503020000020004" pitchFamily="50" charset="-127"/>
+                        </a:rPr>
+                        <a:t>/</a:t>
+                      </a:r>
+                      <a:r>
+                        <a:rPr lang="ko-KR" altLang="en-US" smtClean="0">
+                          <a:solidFill>
+                            <a:schemeClr val="tx1"/>
+                          </a:solidFill>
+                          <a:latin typeface="맑은 고딕" panose="020B0503020000020004" pitchFamily="50" charset="-127"/>
+                          <a:ea typeface="맑은 고딕" panose="020B0503020000020004" pitchFamily="50" charset="-127"/>
+                        </a:rPr>
+                        <a:t>보완 진행</a:t>
+                      </a:r>
+                      <a:r>
+                        <a:rPr lang="en-US" altLang="ko-KR" smtClean="0">
+                          <a:solidFill>
+                            <a:schemeClr val="tx1"/>
+                          </a:solidFill>
+                          <a:latin typeface="맑은 고딕" panose="020B0503020000020004" pitchFamily="50" charset="-127"/>
+                          <a:ea typeface="맑은 고딕" panose="020B0503020000020004" pitchFamily="50" charset="-127"/>
+                        </a:rPr>
+                        <a:t>)</a:t>
+                      </a:r>
+                    </a:p>
+                    <a:p>
+                      <a:pPr marL="171450" indent="-171450" algn="l" defTabSz="384175">
+                        <a:lnSpc>
+                          <a:spcPct val="150000"/>
+                        </a:lnSpc>
+                        <a:spcBef>
+                          <a:spcPts val="300"/>
+                        </a:spcBef>
+                        <a:buSzPct val="100000"/>
+                        <a:buChar char="▪"/>
+                        <a:defRPr sz="1100" spc="-100">
+                          <a:solidFill>
+                            <a:srgbClr val="FF0000"/>
+                          </a:solidFill>
+                          <a:latin typeface="+mn-lt"/>
+                          <a:ea typeface="+mn-ea"/>
+                          <a:cs typeface="+mn-cs"/>
+                          <a:sym typeface="맑은 고딕"/>
+                        </a:defRPr>
+                      </a:pPr>
+                      <a:r>
+                        <a:rPr lang="ko-KR" altLang="en-US" smtClean="0">
+                          <a:solidFill>
+                            <a:schemeClr val="tx1"/>
+                          </a:solidFill>
+                          <a:latin typeface="맑은 고딕" panose="020B0503020000020004" pitchFamily="50" charset="-127"/>
+                          <a:ea typeface="맑은 고딕" panose="020B0503020000020004" pitchFamily="50" charset="-127"/>
+                        </a:rPr>
+                        <a:t>건강 등급</a:t>
+                      </a:r>
+                      <a:r>
+                        <a:rPr lang="en-US" altLang="ko-KR" smtClean="0">
+                          <a:solidFill>
+                            <a:schemeClr val="tx1"/>
+                          </a:solidFill>
+                          <a:latin typeface="맑은 고딕" panose="020B0503020000020004" pitchFamily="50" charset="-127"/>
+                          <a:ea typeface="맑은 고딕" panose="020B0503020000020004" pitchFamily="50" charset="-127"/>
+                        </a:rPr>
+                        <a:t>(GHC) </a:t>
+                      </a:r>
+                      <a:r>
+                        <a:rPr lang="ko-KR" altLang="en-US" smtClean="0">
+                          <a:solidFill>
+                            <a:schemeClr val="tx1"/>
+                          </a:solidFill>
+                          <a:latin typeface="맑은 고딕" panose="020B0503020000020004" pitchFamily="50" charset="-127"/>
+                          <a:ea typeface="맑은 고딕" panose="020B0503020000020004" pitchFamily="50" charset="-127"/>
+                        </a:rPr>
+                        <a:t>진행</a:t>
+                      </a:r>
+                    </a:p>
+                    <a:p>
+                      <a:pPr marL="110289" indent="-110289" algn="l" defTabSz="384175">
+                        <a:lnSpc>
+                          <a:spcPct val="150000"/>
+                        </a:lnSpc>
+                        <a:spcBef>
+                          <a:spcPts val="300"/>
+                        </a:spcBef>
+                        <a:buSzPct val="100000"/>
+                        <a:buChar char="-"/>
+                        <a:defRPr sz="1100" spc="-100">
+                          <a:solidFill>
+                            <a:srgbClr val="FF0000"/>
+                          </a:solidFill>
+                          <a:latin typeface="+mn-lt"/>
+                          <a:ea typeface="+mn-ea"/>
+                          <a:cs typeface="+mn-cs"/>
+                          <a:sym typeface="맑은 고딕"/>
+                        </a:defRPr>
+                      </a:pPr>
+                      <a:r>
+                        <a:rPr lang="en-US" altLang="ko-KR" smtClean="0">
+                          <a:solidFill>
+                            <a:schemeClr val="tx1"/>
+                          </a:solidFill>
+                          <a:latin typeface="맑은 고딕" panose="020B0503020000020004" pitchFamily="50" charset="-127"/>
+                          <a:ea typeface="맑은 고딕" panose="020B0503020000020004" pitchFamily="50" charset="-127"/>
+                        </a:rPr>
+                        <a:t>GHC SDK </a:t>
+                      </a:r>
+                      <a:r>
+                        <a:rPr lang="ko-KR" altLang="en-US" smtClean="0">
+                          <a:solidFill>
+                            <a:schemeClr val="tx1"/>
+                          </a:solidFill>
+                          <a:latin typeface="맑은 고딕" panose="020B0503020000020004" pitchFamily="50" charset="-127"/>
+                          <a:ea typeface="맑은 고딕" panose="020B0503020000020004" pitchFamily="50" charset="-127"/>
+                        </a:rPr>
+                        <a:t>연동 작업</a:t>
+                      </a:r>
+                    </a:p>
+                    <a:p>
+                      <a:pPr marL="110289" indent="-110289" algn="l" defTabSz="384175">
+                        <a:lnSpc>
+                          <a:spcPct val="150000"/>
+                        </a:lnSpc>
+                        <a:spcBef>
+                          <a:spcPts val="300"/>
+                        </a:spcBef>
+                        <a:buSzPct val="100000"/>
+                        <a:buChar char="-"/>
+                        <a:defRPr sz="1100" spc="-100">
+                          <a:solidFill>
+                            <a:srgbClr val="FF0000"/>
+                          </a:solidFill>
+                          <a:latin typeface="+mn-lt"/>
+                          <a:ea typeface="+mn-ea"/>
+                          <a:cs typeface="+mn-cs"/>
+                          <a:sym typeface="맑은 고딕"/>
+                        </a:defRPr>
+                      </a:pPr>
+                      <a:r>
+                        <a:rPr lang="ko-KR" altLang="en-US" smtClean="0">
+                          <a:solidFill>
+                            <a:schemeClr val="tx1"/>
+                          </a:solidFill>
+                          <a:latin typeface="맑은 고딕" panose="020B0503020000020004" pitchFamily="50" charset="-127"/>
+                          <a:ea typeface="맑은 고딕" panose="020B0503020000020004" pitchFamily="50" charset="-127"/>
+                        </a:rPr>
+                        <a:t>서버 </a:t>
+                      </a:r>
+                      <a:r>
+                        <a:rPr lang="en-US" altLang="ko-KR" smtClean="0">
+                          <a:solidFill>
+                            <a:schemeClr val="tx1"/>
+                          </a:solidFill>
+                          <a:latin typeface="맑은 고딕" panose="020B0503020000020004" pitchFamily="50" charset="-127"/>
+                          <a:ea typeface="맑은 고딕" panose="020B0503020000020004" pitchFamily="50" charset="-127"/>
+                        </a:rPr>
+                        <a:t>API </a:t>
+                      </a:r>
+                      <a:r>
+                        <a:rPr lang="ko-KR" altLang="en-US" smtClean="0">
+                          <a:solidFill>
+                            <a:schemeClr val="tx1"/>
+                          </a:solidFill>
+                          <a:latin typeface="맑은 고딕" panose="020B0503020000020004" pitchFamily="50" charset="-127"/>
+                          <a:ea typeface="맑은 고딕" panose="020B0503020000020004" pitchFamily="50" charset="-127"/>
+                        </a:rPr>
+                        <a:t>개발 연동 작업</a:t>
+                      </a:r>
+                    </a:p>
+                    <a:p>
+                      <a:pPr marL="110289" indent="-110289" algn="l" defTabSz="384175">
+                        <a:lnSpc>
+                          <a:spcPct val="150000"/>
+                        </a:lnSpc>
+                        <a:spcBef>
+                          <a:spcPts val="300"/>
+                        </a:spcBef>
+                        <a:buSzPct val="100000"/>
+                        <a:buChar char="-"/>
+                        <a:defRPr sz="1100" spc="-100">
+                          <a:solidFill>
+                            <a:srgbClr val="FF0000"/>
+                          </a:solidFill>
+                          <a:latin typeface="+mn-lt"/>
+                          <a:ea typeface="+mn-ea"/>
+                          <a:cs typeface="+mn-cs"/>
+                          <a:sym typeface="맑은 고딕"/>
+                        </a:defRPr>
+                      </a:pPr>
+                      <a:r>
+                        <a:rPr lang="en-US" altLang="ko-KR" smtClean="0">
+                          <a:solidFill>
+                            <a:schemeClr val="tx1"/>
+                          </a:solidFill>
+                          <a:latin typeface="맑은 고딕" panose="020B0503020000020004" pitchFamily="50" charset="-127"/>
+                          <a:ea typeface="맑은 고딕" panose="020B0503020000020004" pitchFamily="50" charset="-127"/>
+                        </a:rPr>
+                        <a:t>UI </a:t>
+                      </a:r>
+                      <a:r>
+                        <a:rPr lang="ko-KR" altLang="en-US" smtClean="0">
+                          <a:solidFill>
+                            <a:schemeClr val="tx1"/>
+                          </a:solidFill>
+                          <a:latin typeface="맑은 고딕" panose="020B0503020000020004" pitchFamily="50" charset="-127"/>
+                          <a:ea typeface="맑은 고딕" panose="020B0503020000020004" pitchFamily="50" charset="-127"/>
+                        </a:rPr>
+                        <a:t>개발 작업</a:t>
+                      </a:r>
+                    </a:p>
+                    <a:p>
+                      <a:pPr marL="171450" indent="-171450" algn="l" defTabSz="384175">
+                        <a:lnSpc>
+                          <a:spcPct val="150000"/>
+                        </a:lnSpc>
+                        <a:spcBef>
+                          <a:spcPts val="300"/>
+                        </a:spcBef>
+                        <a:buSzPct val="100000"/>
+                        <a:buChar char="▪"/>
+                        <a:defRPr sz="1100" spc="-100">
+                          <a:solidFill>
+                            <a:srgbClr val="FF0000"/>
+                          </a:solidFill>
+                          <a:latin typeface="+mj-lt"/>
+                          <a:ea typeface="+mj-ea"/>
+                          <a:cs typeface="+mj-cs"/>
+                          <a:sym typeface="맑은 고딕"/>
+                        </a:defRPr>
+                      </a:pPr>
+                      <a:endParaRPr lang="ko-KR" altLang="en-US" sz="1100" kern="1200" spc="-100" smtClean="0">
                         <a:solidFill>
-                          <a:schemeClr val="tx1"/>
+                          <a:srgbClr val="FF0000"/>
                         </a:solidFill>
-                        <a:effectLst/>
                         <a:latin typeface="맑은 고딕" panose="020B0503020000020004" pitchFamily="50" charset="-127"/>
                         <a:ea typeface="맑은 고딕" panose="020B0503020000020004" pitchFamily="50" charset="-127"/>
-                        <a:cs typeface="맑은 고딕 Semilight" panose="020B0502040204020203" pitchFamily="50" charset="-127"/>
+                        <a:cs typeface="+mn-cs"/>
+                        <a:sym typeface="맑은 고딕"/>
+                      </a:endParaRPr>
+                    </a:p>
+                    <a:p>
+                      <a:pPr marL="0" indent="0" algn="l" defTabSz="384175">
+                        <a:lnSpc>
+                          <a:spcPct val="150000"/>
+                        </a:lnSpc>
+                        <a:spcBef>
+                          <a:spcPts val="300"/>
+                        </a:spcBef>
+                        <a:buSzPct val="100000"/>
+                        <a:buNone/>
+                        <a:defRPr sz="1100" spc="-100">
+                          <a:solidFill>
+                            <a:srgbClr val="FF0000"/>
+                          </a:solidFill>
+                          <a:latin typeface="+mn-lt"/>
+                          <a:ea typeface="+mn-ea"/>
+                          <a:cs typeface="+mn-cs"/>
+                          <a:sym typeface="맑은 고딕"/>
+                        </a:defRPr>
+                      </a:pPr>
+                      <a:endParaRPr lang="ko-KR" altLang="en-US" smtClean="0">
+                        <a:solidFill>
+                          <a:srgbClr val="FF0000"/>
+                        </a:solidFill>
+                        <a:latin typeface="맑은 고딕" panose="020B0503020000020004" pitchFamily="50" charset="-127"/>
+                        <a:ea typeface="맑은 고딕" panose="020B0503020000020004" pitchFamily="50" charset="-127"/>
+                      </a:endParaRPr>
+                    </a:p>
+                    <a:p>
+                      <a:pPr marL="0" indent="0" algn="l" defTabSz="384175">
+                        <a:lnSpc>
+                          <a:spcPct val="150000"/>
+                        </a:lnSpc>
+                        <a:spcBef>
+                          <a:spcPts val="300"/>
+                        </a:spcBef>
+                        <a:buSzPct val="100000"/>
+                        <a:buNone/>
+                        <a:defRPr sz="1100" spc="-100">
+                          <a:solidFill>
+                            <a:srgbClr val="FF0000"/>
+                          </a:solidFill>
+                          <a:latin typeface="+mn-lt"/>
+                          <a:ea typeface="+mn-ea"/>
+                          <a:cs typeface="+mn-cs"/>
+                          <a:sym typeface="맑은 고딕"/>
+                        </a:defRPr>
+                      </a:pPr>
+                      <a:endParaRPr lang="ko-KR" altLang="en-US" smtClean="0">
+                        <a:solidFill>
+                          <a:srgbClr val="FF0000"/>
+                        </a:solidFill>
+                        <a:latin typeface="맑은 고딕" panose="020B0503020000020004" pitchFamily="50" charset="-127"/>
+                        <a:ea typeface="맑은 고딕" panose="020B0503020000020004" pitchFamily="50" charset="-127"/>
                       </a:endParaRPr>
                     </a:p>
                   </a:txBody>
@@ -6050,90 +6147,64 @@
                     <a:bodyPr/>
                     <a:lstStyle/>
                     <a:p>
-                      <a:pPr marL="0" marR="0" lvl="0" indent="0" algn="ctr" defTabSz="384175" rtl="0" eaLnBrk="0" fontAlgn="base" latinLnBrk="0" hangingPunct="0">
-                        <a:lnSpc>
-                          <a:spcPct val="100000"/>
-                        </a:lnSpc>
+                      <a:pPr algn="ctr" defTabSz="384175">
                         <a:spcBef>
                           <a:spcPts val="300"/>
                         </a:spcBef>
-                        <a:spcAft>
-                          <a:spcPct val="0"/>
-                        </a:spcAft>
-                        <a:buClrTx/>
-                        <a:buSzTx/>
-                        <a:buFont typeface="Wingdings" panose="05000000000000000000" pitchFamily="2" charset="2"/>
-                        <a:buNone/>
-                        <a:tabLst/>
-                        <a:defRPr/>
+                        <a:defRPr sz="1100" spc="-100">
+                          <a:latin typeface="+mn-lt"/>
+                          <a:ea typeface="+mn-ea"/>
+                          <a:cs typeface="+mn-cs"/>
+                          <a:sym typeface="맑은 고딕"/>
+                        </a:defRPr>
                       </a:pPr>
-                      <a:endParaRPr kumimoji="1" lang="en-US" altLang="ko-KR" sz="1100" b="0" i="0" u="none" strike="noStrike" kern="1200" cap="none" spc="-100" normalizeH="0" baseline="0" noProof="0" dirty="0">
-                        <a:ln>
-                          <a:noFill/>
-                        </a:ln>
+                      <a:endParaRPr spc="-100" dirty="0">
                         <a:solidFill>
                           <a:schemeClr val="tx1"/>
                         </a:solidFill>
-                        <a:effectLst/>
-                        <a:uLnTx/>
-                        <a:uFillTx/>
                         <a:latin typeface="맑은 고딕" panose="020B0503020000020004" pitchFamily="50" charset="-127"/>
                         <a:ea typeface="맑은 고딕" panose="020B0503020000020004" pitchFamily="50" charset="-127"/>
-                        <a:cs typeface="맑은 고딕 Semilight" panose="020B0502040204020203" pitchFamily="50" charset="-127"/>
-                        <a:sym typeface="Wingdings" pitchFamily="2" charset="2"/>
                       </a:endParaRPr>
                     </a:p>
                     <a:p>
-                      <a:pPr marL="0" marR="0" lvl="0" indent="0" algn="ctr" defTabSz="384175" rtl="0" eaLnBrk="0" fontAlgn="base" latinLnBrk="0" hangingPunct="0">
-                        <a:lnSpc>
-                          <a:spcPct val="100000"/>
-                        </a:lnSpc>
+                      <a:pPr algn="ctr" defTabSz="384175">
                         <a:spcBef>
                           <a:spcPts val="300"/>
                         </a:spcBef>
-                        <a:spcAft>
-                          <a:spcPct val="0"/>
-                        </a:spcAft>
-                        <a:buClrTx/>
-                        <a:buSzTx/>
-                        <a:buFont typeface="Wingdings" panose="05000000000000000000" pitchFamily="2" charset="2"/>
-                        <a:buNone/>
-                        <a:tabLst/>
-                        <a:defRPr/>
+                        <a:defRPr sz="1100" spc="-100">
+                          <a:latin typeface="+mn-lt"/>
+                          <a:ea typeface="+mn-ea"/>
+                          <a:cs typeface="+mn-cs"/>
+                          <a:sym typeface="맑은 고딕"/>
+                        </a:defRPr>
                       </a:pPr>
                       <a:r>
-                        <a:rPr kumimoji="1" lang="en-US" altLang="ko-KR" sz="1100" b="0" i="0" u="none" strike="noStrike" kern="1200" cap="none" spc="-100" normalizeH="0" baseline="0" noProof="0" dirty="0" smtClean="0">
-                          <a:ln>
-                            <a:noFill/>
-                          </a:ln>
+                        <a:rPr lang="en-US" spc="-100" smtClean="0">
                           <a:solidFill>
                             <a:schemeClr val="tx1"/>
                           </a:solidFill>
-                          <a:effectLst/>
-                          <a:uLnTx/>
-                          <a:uFillTx/>
                           <a:latin typeface="맑은 고딕" panose="020B0503020000020004" pitchFamily="50" charset="-127"/>
                           <a:ea typeface="맑은 고딕" panose="020B0503020000020004" pitchFamily="50" charset="-127"/>
-                          <a:cs typeface="맑은 고딕 Semilight" panose="020B0502040204020203" pitchFamily="50" charset="-127"/>
-                          <a:sym typeface="Wingdings" pitchFamily="2" charset="2"/>
-                        </a:rPr>
-                        <a:t>98% </a:t>
-                      </a:r>
-                      <a:r>
-                        <a:rPr kumimoji="1" lang="en-US" altLang="ko-KR" sz="1100" b="0" i="0" u="none" strike="noStrike" kern="1200" cap="none" spc="-100" normalizeH="0" baseline="0" noProof="0" dirty="0">
-                          <a:ln>
-                            <a:noFill/>
-                          </a:ln>
+                        </a:rPr>
+                        <a:t>95</a:t>
+                      </a:r>
+                      <a:r>
+                        <a:rPr spc="-100" smtClean="0">
                           <a:solidFill>
                             <a:schemeClr val="tx1"/>
                           </a:solidFill>
-                          <a:effectLst/>
-                          <a:uLnTx/>
-                          <a:uFillTx/>
                           <a:latin typeface="맑은 고딕" panose="020B0503020000020004" pitchFamily="50" charset="-127"/>
                           <a:ea typeface="맑은 고딕" panose="020B0503020000020004" pitchFamily="50" charset="-127"/>
-                          <a:cs typeface="맑은 고딕 Semilight" panose="020B0502040204020203" pitchFamily="50" charset="-127"/>
-                          <a:sym typeface="Wingdings" pitchFamily="2" charset="2"/>
+                        </a:rPr>
+                        <a:t>% </a:t>
+                      </a:r>
+                      <a:r>
+                        <a:rPr spc="-100" dirty="0">
+                          <a:solidFill>
+                            <a:schemeClr val="tx1"/>
+                          </a:solidFill>
+                          <a:latin typeface="맑은 고딕" panose="020B0503020000020004" pitchFamily="50" charset="-127"/>
+                          <a:ea typeface="맑은 고딕" panose="020B0503020000020004" pitchFamily="50" charset="-127"/>
                         </a:rPr>
                         <a:t>/ 100%</a:t>
                       </a:r>
@@ -6201,31 +6272,516 @@
                     <a:bodyPr/>
                     <a:lstStyle/>
                     <a:p>
-                      <a:pPr marL="171450" marR="0" indent="-171450" algn="l" defTabSz="914400" rtl="0" eaLnBrk="1" fontAlgn="base" latinLnBrk="1" hangingPunct="1">
+                      <a:pPr marL="171450" indent="-171450" algn="l" defTabSz="384175">
                         <a:lnSpc>
                           <a:spcPct val="150000"/>
                         </a:lnSpc>
                         <a:spcBef>
-                          <a:spcPts val="0"/>
+                          <a:spcPts val="300"/>
                         </a:spcBef>
-                        <a:spcAft>
-                          <a:spcPts val="0"/>
-                        </a:spcAft>
-                        <a:buClrTx/>
-                        <a:buSzTx/>
-                        <a:buFont typeface="Wingdings" panose="05000000000000000000" pitchFamily="2" charset="2"/>
-                        <a:buChar char="§"/>
-                        <a:tabLst/>
-                        <a:defRPr/>
+                        <a:buSzPct val="100000"/>
+                        <a:buChar char="▪"/>
+                        <a:defRPr sz="1100" spc="-100">
+                          <a:solidFill>
+                            <a:srgbClr val="FF0000"/>
+                          </a:solidFill>
+                          <a:latin typeface="+mn-lt"/>
+                          <a:ea typeface="+mn-ea"/>
+                          <a:cs typeface="+mn-cs"/>
+                          <a:sym typeface="맑은 고딕"/>
+                        </a:defRPr>
                       </a:pPr>
-                      <a:endParaRPr lang="en-US" altLang="ko-KR" sz="1100" kern="1200" spc="-100" baseline="0" dirty="0" smtClean="0">
+                      <a:r>
+                        <a:rPr lang="en-US" altLang="ko-KR" dirty="0" smtClean="0">
+                          <a:solidFill>
+                            <a:schemeClr val="tx1"/>
+                          </a:solidFill>
+                          <a:latin typeface="맑은 고딕" panose="020B0503020000020004" pitchFamily="50" charset="-127"/>
+                          <a:ea typeface="맑은 고딕" panose="020B0503020000020004" pitchFamily="50" charset="-127"/>
+                        </a:rPr>
+                        <a:t>QA </a:t>
+                      </a:r>
+                      <a:r>
+                        <a:rPr lang="ko-KR" altLang="en-US" dirty="0" smtClean="0">
+                          <a:solidFill>
+                            <a:schemeClr val="tx1"/>
+                          </a:solidFill>
+                          <a:latin typeface="맑은 고딕" panose="020B0503020000020004" pitchFamily="50" charset="-127"/>
+                          <a:ea typeface="맑은 고딕" panose="020B0503020000020004" pitchFamily="50" charset="-127"/>
+                        </a:rPr>
+                        <a:t>대응</a:t>
+                      </a:r>
+                    </a:p>
+                    <a:p>
+                      <a:pPr marL="171450" indent="-171450" algn="l" defTabSz="384175">
+                        <a:lnSpc>
+                          <a:spcPct val="150000"/>
+                        </a:lnSpc>
+                        <a:spcBef>
+                          <a:spcPts val="300"/>
+                        </a:spcBef>
+                        <a:buSzPct val="100000"/>
+                        <a:buChar char="-"/>
+                        <a:defRPr sz="1100" spc="-100">
+                          <a:solidFill>
+                            <a:srgbClr val="FF0000"/>
+                          </a:solidFill>
+                          <a:latin typeface="+mn-lt"/>
+                          <a:ea typeface="+mn-ea"/>
+                          <a:cs typeface="+mn-cs"/>
+                          <a:sym typeface="맑은 고딕"/>
+                        </a:defRPr>
+                      </a:pPr>
+                      <a:r>
+                        <a:rPr lang="ko-KR" altLang="en-US" dirty="0" err="1" smtClean="0">
+                          <a:solidFill>
+                            <a:schemeClr val="tx1"/>
+                          </a:solidFill>
+                          <a:latin typeface="맑은 고딕" panose="020B0503020000020004" pitchFamily="50" charset="-127"/>
+                          <a:ea typeface="맑은 고딕" panose="020B0503020000020004" pitchFamily="50" charset="-127"/>
+                        </a:rPr>
+                        <a:t>배틀방</a:t>
+                      </a:r>
+                      <a:r>
+                        <a:rPr lang="ko-KR" altLang="en-US" dirty="0" smtClean="0">
+                          <a:solidFill>
+                            <a:schemeClr val="tx1"/>
+                          </a:solidFill>
+                          <a:latin typeface="맑은 고딕" panose="020B0503020000020004" pitchFamily="50" charset="-127"/>
+                          <a:ea typeface="맑은 고딕" panose="020B0503020000020004" pitchFamily="50" charset="-127"/>
+                        </a:rPr>
+                        <a:t> </a:t>
+                      </a:r>
+                      <a:r>
+                        <a:rPr lang="ko-KR" altLang="en-US" dirty="0" err="1" smtClean="0">
+                          <a:solidFill>
+                            <a:schemeClr val="tx1"/>
+                          </a:solidFill>
+                          <a:latin typeface="맑은 고딕" panose="020B0503020000020004" pitchFamily="50" charset="-127"/>
+                          <a:ea typeface="맑은 고딕" panose="020B0503020000020004" pitchFamily="50" charset="-127"/>
+                        </a:rPr>
+                        <a:t>수정요청</a:t>
+                      </a:r>
+                      <a:r>
+                        <a:rPr lang="ko-KR" altLang="en-US" dirty="0" smtClean="0">
+                          <a:solidFill>
+                            <a:schemeClr val="tx1"/>
+                          </a:solidFill>
+                          <a:latin typeface="맑은 고딕" panose="020B0503020000020004" pitchFamily="50" charset="-127"/>
+                          <a:ea typeface="맑은 고딕" panose="020B0503020000020004" pitchFamily="50" charset="-127"/>
+                        </a:rPr>
+                        <a:t> </a:t>
+                      </a:r>
+                      <a:r>
+                        <a:rPr lang="ko-KR" altLang="en-US" dirty="0" err="1" smtClean="0">
+                          <a:solidFill>
+                            <a:schemeClr val="tx1"/>
+                          </a:solidFill>
+                          <a:latin typeface="맑은 고딕" panose="020B0503020000020004" pitchFamily="50" charset="-127"/>
+                          <a:ea typeface="맑은 고딕" panose="020B0503020000020004" pitchFamily="50" charset="-127"/>
+                        </a:rPr>
+                        <a:t>선대응</a:t>
+                      </a:r>
+                      <a:endParaRPr lang="ko-KR" altLang="en-US" dirty="0" smtClean="0">
                         <a:solidFill>
                           <a:schemeClr val="tx1"/>
                         </a:solidFill>
-                        <a:effectLst/>
                         <a:latin typeface="맑은 고딕" panose="020B0503020000020004" pitchFamily="50" charset="-127"/>
                         <a:ea typeface="맑은 고딕" panose="020B0503020000020004" pitchFamily="50" charset="-127"/>
-                        <a:cs typeface="맑은 고딕 Semilight" panose="020B0502040204020203" pitchFamily="50" charset="-127"/>
+                      </a:endParaRPr>
+                    </a:p>
+                    <a:p>
+                      <a:pPr marL="171450" indent="-171450" algn="l" defTabSz="384175">
+                        <a:lnSpc>
+                          <a:spcPct val="150000"/>
+                        </a:lnSpc>
+                        <a:spcBef>
+                          <a:spcPts val="300"/>
+                        </a:spcBef>
+                        <a:buSzPct val="100000"/>
+                        <a:buChar char="▪"/>
+                        <a:defRPr sz="1100" spc="-100">
+                          <a:solidFill>
+                            <a:srgbClr val="FF0000"/>
+                          </a:solidFill>
+                          <a:latin typeface="+mn-lt"/>
+                          <a:ea typeface="+mn-ea"/>
+                          <a:cs typeface="+mn-cs"/>
+                          <a:sym typeface="맑은 고딕"/>
+                        </a:defRPr>
+                      </a:pPr>
+                      <a:r>
+                        <a:rPr lang="en-US" altLang="ko-KR" dirty="0" smtClean="0">
+                          <a:solidFill>
+                            <a:schemeClr val="tx1"/>
+                          </a:solidFill>
+                          <a:latin typeface="맑은 고딕" panose="020B0503020000020004" pitchFamily="50" charset="-127"/>
+                          <a:ea typeface="맑은 고딕" panose="020B0503020000020004" pitchFamily="50" charset="-127"/>
+                        </a:rPr>
+                        <a:t>Background Service </a:t>
+                      </a:r>
+                      <a:r>
+                        <a:rPr lang="ko-KR" altLang="en-US" dirty="0" smtClean="0">
+                          <a:solidFill>
+                            <a:schemeClr val="tx1"/>
+                          </a:solidFill>
+                          <a:latin typeface="맑은 고딕" panose="020B0503020000020004" pitchFamily="50" charset="-127"/>
+                          <a:ea typeface="맑은 고딕" panose="020B0503020000020004" pitchFamily="50" charset="-127"/>
+                        </a:rPr>
+                        <a:t>개발</a:t>
+                      </a:r>
+                      <a:r>
+                        <a:rPr lang="en-US" altLang="ko-KR" dirty="0" smtClean="0">
+                          <a:solidFill>
+                            <a:schemeClr val="tx1"/>
+                          </a:solidFill>
+                          <a:latin typeface="맑은 고딕" panose="020B0503020000020004" pitchFamily="50" charset="-127"/>
+                          <a:ea typeface="맑은 고딕" panose="020B0503020000020004" pitchFamily="50" charset="-127"/>
+                        </a:rPr>
+                        <a:t>(</a:t>
+                      </a:r>
+                      <a:r>
+                        <a:rPr lang="ko-KR" altLang="en-US" dirty="0" smtClean="0">
+                          <a:solidFill>
+                            <a:schemeClr val="tx1"/>
+                          </a:solidFill>
+                          <a:latin typeface="맑은 고딕" panose="020B0503020000020004" pitchFamily="50" charset="-127"/>
+                          <a:ea typeface="맑은 고딕" panose="020B0503020000020004" pitchFamily="50" charset="-127"/>
+                        </a:rPr>
+                        <a:t>테스트 및 수정</a:t>
+                      </a:r>
+                      <a:r>
+                        <a:rPr lang="en-US" altLang="ko-KR" dirty="0" smtClean="0">
+                          <a:solidFill>
+                            <a:schemeClr val="tx1"/>
+                          </a:solidFill>
+                          <a:latin typeface="맑은 고딕" panose="020B0503020000020004" pitchFamily="50" charset="-127"/>
+                          <a:ea typeface="맑은 고딕" panose="020B0503020000020004" pitchFamily="50" charset="-127"/>
+                        </a:rPr>
+                        <a:t>/</a:t>
+                      </a:r>
+                      <a:r>
+                        <a:rPr lang="ko-KR" altLang="en-US" dirty="0" smtClean="0">
+                          <a:solidFill>
+                            <a:schemeClr val="tx1"/>
+                          </a:solidFill>
+                          <a:latin typeface="맑은 고딕" panose="020B0503020000020004" pitchFamily="50" charset="-127"/>
+                          <a:ea typeface="맑은 고딕" panose="020B0503020000020004" pitchFamily="50" charset="-127"/>
+                        </a:rPr>
+                        <a:t>보완 진행</a:t>
+                      </a:r>
+                      <a:r>
+                        <a:rPr lang="en-US" altLang="ko-KR" dirty="0" smtClean="0">
+                          <a:solidFill>
+                            <a:schemeClr val="tx1"/>
+                          </a:solidFill>
+                          <a:latin typeface="맑은 고딕" panose="020B0503020000020004" pitchFamily="50" charset="-127"/>
+                          <a:ea typeface="맑은 고딕" panose="020B0503020000020004" pitchFamily="50" charset="-127"/>
+                        </a:rPr>
+                        <a:t>)</a:t>
+                      </a:r>
+                    </a:p>
+                    <a:p>
+                      <a:pPr marL="171450" indent="-171450" algn="l" defTabSz="384175">
+                        <a:lnSpc>
+                          <a:spcPct val="150000"/>
+                        </a:lnSpc>
+                        <a:spcBef>
+                          <a:spcPts val="300"/>
+                        </a:spcBef>
+                        <a:buSzPct val="100000"/>
+                        <a:buChar char="▪"/>
+                        <a:defRPr sz="1100" spc="-100">
+                          <a:solidFill>
+                            <a:srgbClr val="FF0000"/>
+                          </a:solidFill>
+                          <a:latin typeface="+mn-lt"/>
+                          <a:ea typeface="+mn-ea"/>
+                          <a:cs typeface="+mn-cs"/>
+                          <a:sym typeface="맑은 고딕"/>
+                        </a:defRPr>
+                      </a:pPr>
+                      <a:r>
+                        <a:rPr lang="ko-KR" altLang="en-US" dirty="0" smtClean="0">
+                          <a:solidFill>
+                            <a:schemeClr val="tx1"/>
+                          </a:solidFill>
+                          <a:latin typeface="맑은 고딕" panose="020B0503020000020004" pitchFamily="50" charset="-127"/>
+                          <a:ea typeface="맑은 고딕" panose="020B0503020000020004" pitchFamily="50" charset="-127"/>
+                        </a:rPr>
+                        <a:t>건강 등급</a:t>
+                      </a:r>
+                      <a:r>
+                        <a:rPr lang="en-US" altLang="ko-KR" dirty="0" smtClean="0">
+                          <a:solidFill>
+                            <a:schemeClr val="tx1"/>
+                          </a:solidFill>
+                          <a:latin typeface="맑은 고딕" panose="020B0503020000020004" pitchFamily="50" charset="-127"/>
+                          <a:ea typeface="맑은 고딕" panose="020B0503020000020004" pitchFamily="50" charset="-127"/>
+                        </a:rPr>
+                        <a:t>(GHC) </a:t>
+                      </a:r>
+                      <a:r>
+                        <a:rPr lang="ko-KR" altLang="en-US" dirty="0" smtClean="0">
+                          <a:solidFill>
+                            <a:schemeClr val="tx1"/>
+                          </a:solidFill>
+                          <a:latin typeface="맑은 고딕" panose="020B0503020000020004" pitchFamily="50" charset="-127"/>
+                          <a:ea typeface="맑은 고딕" panose="020B0503020000020004" pitchFamily="50" charset="-127"/>
+                        </a:rPr>
+                        <a:t>진행</a:t>
+                      </a:r>
+                    </a:p>
+                    <a:p>
+                      <a:pPr marL="110289" indent="-110289" algn="l" defTabSz="384175">
+                        <a:lnSpc>
+                          <a:spcPct val="150000"/>
+                        </a:lnSpc>
+                        <a:spcBef>
+                          <a:spcPts val="300"/>
+                        </a:spcBef>
+                        <a:buSzPct val="100000"/>
+                        <a:buChar char="-"/>
+                        <a:defRPr sz="1100" spc="-100">
+                          <a:solidFill>
+                            <a:srgbClr val="FF0000"/>
+                          </a:solidFill>
+                          <a:latin typeface="+mn-lt"/>
+                          <a:ea typeface="+mn-ea"/>
+                          <a:cs typeface="+mn-cs"/>
+                          <a:sym typeface="맑은 고딕"/>
+                        </a:defRPr>
+                      </a:pPr>
+                      <a:r>
+                        <a:rPr lang="en-US" altLang="ko-KR" dirty="0" smtClean="0">
+                          <a:solidFill>
+                            <a:schemeClr val="tx1"/>
+                          </a:solidFill>
+                          <a:latin typeface="맑은 고딕" panose="020B0503020000020004" pitchFamily="50" charset="-127"/>
+                          <a:ea typeface="맑은 고딕" panose="020B0503020000020004" pitchFamily="50" charset="-127"/>
+                        </a:rPr>
+                        <a:t>GHC SDK </a:t>
+                      </a:r>
+                      <a:r>
+                        <a:rPr lang="ko-KR" altLang="en-US" dirty="0" smtClean="0">
+                          <a:solidFill>
+                            <a:schemeClr val="tx1"/>
+                          </a:solidFill>
+                          <a:latin typeface="맑은 고딕" panose="020B0503020000020004" pitchFamily="50" charset="-127"/>
+                          <a:ea typeface="맑은 고딕" panose="020B0503020000020004" pitchFamily="50" charset="-127"/>
+                        </a:rPr>
+                        <a:t>연동 작업</a:t>
+                      </a:r>
+                    </a:p>
+                    <a:p>
+                      <a:pPr marL="110289" indent="-110289" algn="l" defTabSz="384175">
+                        <a:lnSpc>
+                          <a:spcPct val="150000"/>
+                        </a:lnSpc>
+                        <a:spcBef>
+                          <a:spcPts val="300"/>
+                        </a:spcBef>
+                        <a:buSzPct val="100000"/>
+                        <a:buChar char="-"/>
+                        <a:defRPr sz="1100" spc="-100">
+                          <a:solidFill>
+                            <a:srgbClr val="FF0000"/>
+                          </a:solidFill>
+                          <a:latin typeface="+mn-lt"/>
+                          <a:ea typeface="+mn-ea"/>
+                          <a:cs typeface="+mn-cs"/>
+                          <a:sym typeface="맑은 고딕"/>
+                        </a:defRPr>
+                      </a:pPr>
+                      <a:r>
+                        <a:rPr lang="ko-KR" altLang="en-US" dirty="0" smtClean="0">
+                          <a:solidFill>
+                            <a:schemeClr val="tx1"/>
+                          </a:solidFill>
+                          <a:latin typeface="맑은 고딕" panose="020B0503020000020004" pitchFamily="50" charset="-127"/>
+                          <a:ea typeface="맑은 고딕" panose="020B0503020000020004" pitchFamily="50" charset="-127"/>
+                        </a:rPr>
+                        <a:t>서버 </a:t>
+                      </a:r>
+                      <a:r>
+                        <a:rPr lang="en-US" altLang="ko-KR" dirty="0" smtClean="0">
+                          <a:solidFill>
+                            <a:schemeClr val="tx1"/>
+                          </a:solidFill>
+                          <a:latin typeface="맑은 고딕" panose="020B0503020000020004" pitchFamily="50" charset="-127"/>
+                          <a:ea typeface="맑은 고딕" panose="020B0503020000020004" pitchFamily="50" charset="-127"/>
+                        </a:rPr>
+                        <a:t>API </a:t>
+                      </a:r>
+                      <a:r>
+                        <a:rPr lang="ko-KR" altLang="en-US" dirty="0" smtClean="0">
+                          <a:solidFill>
+                            <a:schemeClr val="tx1"/>
+                          </a:solidFill>
+                          <a:latin typeface="맑은 고딕" panose="020B0503020000020004" pitchFamily="50" charset="-127"/>
+                          <a:ea typeface="맑은 고딕" panose="020B0503020000020004" pitchFamily="50" charset="-127"/>
+                        </a:rPr>
+                        <a:t>개발 연동 작업</a:t>
+                      </a:r>
+                    </a:p>
+                    <a:p>
+                      <a:pPr marL="110289" indent="-110289" algn="l" defTabSz="384175">
+                        <a:lnSpc>
+                          <a:spcPct val="150000"/>
+                        </a:lnSpc>
+                        <a:spcBef>
+                          <a:spcPts val="300"/>
+                        </a:spcBef>
+                        <a:buSzPct val="100000"/>
+                        <a:buChar char="-"/>
+                        <a:defRPr sz="1100" spc="-100">
+                          <a:solidFill>
+                            <a:srgbClr val="FF0000"/>
+                          </a:solidFill>
+                          <a:latin typeface="+mn-lt"/>
+                          <a:ea typeface="+mn-ea"/>
+                          <a:cs typeface="+mn-cs"/>
+                          <a:sym typeface="맑은 고딕"/>
+                        </a:defRPr>
+                      </a:pPr>
+                      <a:r>
+                        <a:rPr lang="en-US" altLang="ko-KR" dirty="0" smtClean="0">
+                          <a:solidFill>
+                            <a:schemeClr val="tx1"/>
+                          </a:solidFill>
+                          <a:latin typeface="맑은 고딕" panose="020B0503020000020004" pitchFamily="50" charset="-127"/>
+                          <a:ea typeface="맑은 고딕" panose="020B0503020000020004" pitchFamily="50" charset="-127"/>
+                        </a:rPr>
+                        <a:t>UI </a:t>
+                      </a:r>
+                      <a:r>
+                        <a:rPr lang="ko-KR" altLang="en-US" dirty="0" smtClean="0">
+                          <a:solidFill>
+                            <a:schemeClr val="tx1"/>
+                          </a:solidFill>
+                          <a:latin typeface="맑은 고딕" panose="020B0503020000020004" pitchFamily="50" charset="-127"/>
+                          <a:ea typeface="맑은 고딕" panose="020B0503020000020004" pitchFamily="50" charset="-127"/>
+                        </a:rPr>
+                        <a:t>개발 작업</a:t>
+                      </a:r>
+                      <a:endParaRPr lang="en-US" altLang="ko-KR" dirty="0" smtClean="0">
+                        <a:solidFill>
+                          <a:schemeClr val="tx1"/>
+                        </a:solidFill>
+                        <a:latin typeface="맑은 고딕" panose="020B0503020000020004" pitchFamily="50" charset="-127"/>
+                        <a:ea typeface="맑은 고딕" panose="020B0503020000020004" pitchFamily="50" charset="-127"/>
+                      </a:endParaRPr>
+                    </a:p>
+                    <a:p>
+                      <a:pPr marL="110289" indent="-110289" algn="l" defTabSz="384175">
+                        <a:lnSpc>
+                          <a:spcPct val="150000"/>
+                        </a:lnSpc>
+                        <a:spcBef>
+                          <a:spcPts val="300"/>
+                        </a:spcBef>
+                        <a:buSzPct val="100000"/>
+                        <a:buChar char="-"/>
+                        <a:defRPr sz="1100" spc="-100">
+                          <a:solidFill>
+                            <a:srgbClr val="FF0000"/>
+                          </a:solidFill>
+                          <a:latin typeface="+mn-lt"/>
+                          <a:ea typeface="+mn-ea"/>
+                          <a:cs typeface="+mn-cs"/>
+                          <a:sym typeface="맑은 고딕"/>
+                        </a:defRPr>
+                      </a:pPr>
+                      <a:endParaRPr lang="ko-KR" altLang="en-US" dirty="0" smtClean="0">
+                        <a:solidFill>
+                          <a:srgbClr val="FF0000"/>
+                        </a:solidFill>
+                        <a:latin typeface="맑은 고딕" panose="020B0503020000020004" pitchFamily="50" charset="-127"/>
+                        <a:ea typeface="맑은 고딕" panose="020B0503020000020004" pitchFamily="50" charset="-127"/>
+                      </a:endParaRPr>
+                    </a:p>
+                    <a:p>
+                      <a:pPr marL="0" indent="0" algn="l" defTabSz="384175">
+                        <a:lnSpc>
+                          <a:spcPct val="150000"/>
+                        </a:lnSpc>
+                        <a:spcBef>
+                          <a:spcPts val="300"/>
+                        </a:spcBef>
+                        <a:buSzPct val="100000"/>
+                        <a:buNone/>
+                        <a:defRPr sz="1100" spc="-100">
+                          <a:solidFill>
+                            <a:srgbClr val="FF0000"/>
+                          </a:solidFill>
+                          <a:latin typeface="+mn-lt"/>
+                          <a:ea typeface="+mn-ea"/>
+                          <a:cs typeface="+mn-cs"/>
+                          <a:sym typeface="맑은 고딕"/>
+                        </a:defRPr>
+                      </a:pPr>
+                      <a:endParaRPr lang="ko-KR" altLang="en-US" dirty="0" smtClean="0">
+                        <a:solidFill>
+                          <a:srgbClr val="FF0000"/>
+                        </a:solidFill>
+                        <a:latin typeface="맑은 고딕" panose="020B0503020000020004" pitchFamily="50" charset="-127"/>
+                        <a:ea typeface="맑은 고딕" panose="020B0503020000020004" pitchFamily="50" charset="-127"/>
+                      </a:endParaRPr>
+                    </a:p>
+                    <a:p>
+                      <a:pPr marL="171450" indent="-171450" algn="l" defTabSz="384175">
+                        <a:lnSpc>
+                          <a:spcPct val="150000"/>
+                        </a:lnSpc>
+                        <a:spcBef>
+                          <a:spcPts val="300"/>
+                        </a:spcBef>
+                        <a:buSzPct val="100000"/>
+                        <a:buChar char="▪"/>
+                        <a:defRPr sz="1100" spc="-100">
+                          <a:solidFill>
+                            <a:srgbClr val="FF0000"/>
+                          </a:solidFill>
+                          <a:latin typeface="+mn-lt"/>
+                          <a:ea typeface="+mn-ea"/>
+                          <a:cs typeface="+mn-cs"/>
+                          <a:sym typeface="맑은 고딕"/>
+                        </a:defRPr>
+                      </a:pPr>
+                      <a:endParaRPr lang="en-US" altLang="ko-KR" dirty="0" smtClean="0">
+                        <a:solidFill>
+                          <a:srgbClr val="FF0000"/>
+                        </a:solidFill>
+                        <a:latin typeface="맑은 고딕" panose="020B0503020000020004" pitchFamily="50" charset="-127"/>
+                        <a:ea typeface="맑은 고딕" panose="020B0503020000020004" pitchFamily="50" charset="-127"/>
+                      </a:endParaRPr>
+                    </a:p>
+                    <a:p>
+                      <a:pPr marL="171450" indent="-171450" algn="l" defTabSz="384175">
+                        <a:lnSpc>
+                          <a:spcPct val="150000"/>
+                        </a:lnSpc>
+                        <a:spcBef>
+                          <a:spcPts val="300"/>
+                        </a:spcBef>
+                        <a:buSzPct val="100000"/>
+                        <a:buChar char="▪"/>
+                        <a:defRPr sz="1100" spc="-100">
+                          <a:solidFill>
+                            <a:srgbClr val="FF0000"/>
+                          </a:solidFill>
+                          <a:latin typeface="+mn-lt"/>
+                          <a:ea typeface="+mn-ea"/>
+                          <a:cs typeface="+mn-cs"/>
+                          <a:sym typeface="맑은 고딕"/>
+                        </a:defRPr>
+                      </a:pPr>
+                      <a:endParaRPr lang="ko-KR" altLang="en-US" dirty="0" smtClean="0">
+                        <a:solidFill>
+                          <a:srgbClr val="FF0000"/>
+                        </a:solidFill>
+                        <a:latin typeface="맑은 고딕" panose="020B0503020000020004" pitchFamily="50" charset="-127"/>
+                        <a:ea typeface="맑은 고딕" panose="020B0503020000020004" pitchFamily="50" charset="-127"/>
                       </a:endParaRPr>
                     </a:p>
                   </a:txBody>
@@ -6293,14 +6849,13 @@
                   </a:ext>
                 </a:extLst>
               </a:tr>
-              <a:tr h="1138767">
+              <a:tr h="2494430">
                 <a:tc vMerge="1">
                   <a:txBody>
                     <a:bodyPr/>
                     <a:lstStyle/>
                     <a:p>
-                      <a:pPr latinLnBrk="1"/>
-                      <a:endParaRPr lang="ko-KR" altLang="en-US"/>
+                      <a:endParaRPr lang="ko-KR"/>
                     </a:p>
                   </a:txBody>
                   <a:tcPr/>
@@ -6310,8 +6865,7 @@
                     <a:bodyPr/>
                     <a:lstStyle/>
                     <a:p>
-                      <a:pPr latinLnBrk="1"/>
-                      <a:endParaRPr lang="ko-KR" altLang="en-US" dirty="0"/>
+                      <a:endParaRPr lang="ko-KR"/>
                     </a:p>
                   </a:txBody>
                   <a:tcPr/>
@@ -6321,99 +6875,113 @@
                     <a:bodyPr/>
                     <a:lstStyle/>
                     <a:p>
-                      <a:pPr marL="0" marR="0" lvl="0" indent="0" algn="ctr" defTabSz="384175" rtl="0" eaLnBrk="0" fontAlgn="base" latinLnBrk="0" hangingPunct="0">
-                        <a:lnSpc>
-                          <a:spcPct val="100000"/>
-                        </a:lnSpc>
+                      <a:pPr algn="ctr" defTabSz="384175">
                         <a:spcBef>
                           <a:spcPts val="300"/>
                         </a:spcBef>
-                        <a:spcAft>
-                          <a:spcPct val="0"/>
-                        </a:spcAft>
-                        <a:buClrTx/>
-                        <a:buSzTx/>
-                        <a:buFont typeface="Wingdings" panose="05000000000000000000" pitchFamily="2" charset="2"/>
-                        <a:buNone/>
-                        <a:tabLst/>
-                        <a:defRPr/>
+                        <a:defRPr sz="1100" spc="-100">
+                          <a:latin typeface="+mn-lt"/>
+                          <a:ea typeface="+mn-ea"/>
+                          <a:cs typeface="+mn-cs"/>
+                          <a:sym typeface="맑은 고딕"/>
+                        </a:defRPr>
                       </a:pPr>
-                      <a:r>
-                        <a:rPr kumimoji="1" lang="ko-KR" altLang="en-US" sz="1100" b="0" i="0" u="none" strike="noStrike" kern="1200" cap="none" spc="-100" normalizeH="0" baseline="0" noProof="0" dirty="0" smtClean="0">
-                          <a:ln>
-                            <a:noFill/>
-                          </a:ln>
-                          <a:solidFill>
-                            <a:schemeClr val="tx1"/>
-                          </a:solidFill>
-                          <a:effectLst/>
-                          <a:uLnTx/>
-                          <a:uFillTx/>
-                          <a:latin typeface="맑은 고딕" panose="020B0503020000020004" pitchFamily="50" charset="-127"/>
-                          <a:ea typeface="맑은 고딕" panose="020B0503020000020004" pitchFamily="50" charset="-127"/>
-                          <a:cs typeface="맑은 고딕 Semilight" panose="020B0502040204020203" pitchFamily="50" charset="-127"/>
-                          <a:sym typeface="Wingdings" pitchFamily="2" charset="2"/>
-                        </a:rPr>
-                        <a:t>전주 대비</a:t>
-                      </a:r>
-                      <a:endParaRPr kumimoji="1" lang="en-US" altLang="ko-KR" sz="1100" b="0" i="0" u="none" strike="noStrike" kern="1200" cap="none" spc="-100" normalizeH="0" baseline="0" noProof="0" dirty="0" smtClean="0">
-                        <a:ln>
-                          <a:noFill/>
-                        </a:ln>
+                      <a:endParaRPr spc="-100" dirty="0">
                         <a:solidFill>
                           <a:schemeClr val="tx1"/>
                         </a:solidFill>
-                        <a:effectLst/>
-                        <a:uLnTx/>
-                        <a:uFillTx/>
                         <a:latin typeface="맑은 고딕" panose="020B0503020000020004" pitchFamily="50" charset="-127"/>
                         <a:ea typeface="맑은 고딕" panose="020B0503020000020004" pitchFamily="50" charset="-127"/>
-                        <a:cs typeface="맑은 고딕 Semilight" panose="020B0502040204020203" pitchFamily="50" charset="-127"/>
-                        <a:sym typeface="Wingdings" pitchFamily="2" charset="2"/>
                       </a:endParaRPr>
                     </a:p>
                     <a:p>
-                      <a:pPr marL="0" marR="0" lvl="0" indent="0" algn="ctr" defTabSz="384175" rtl="0" eaLnBrk="0" fontAlgn="base" latinLnBrk="0" hangingPunct="0">
-                        <a:lnSpc>
-                          <a:spcPct val="100000"/>
-                        </a:lnSpc>
+                      <a:pPr algn="ctr" defTabSz="384175">
                         <a:spcBef>
                           <a:spcPts val="300"/>
                         </a:spcBef>
-                        <a:spcAft>
-                          <a:spcPct val="0"/>
-                        </a:spcAft>
-                        <a:buClrTx/>
-                        <a:buSzTx/>
-                        <a:buFont typeface="Wingdings" panose="05000000000000000000" pitchFamily="2" charset="2"/>
-                        <a:buNone/>
-                        <a:tabLst/>
-                        <a:defRPr/>
+                        <a:defRPr sz="1100" spc="-100">
+                          <a:latin typeface="+mn-lt"/>
+                          <a:ea typeface="+mn-ea"/>
+                          <a:cs typeface="+mn-cs"/>
+                          <a:sym typeface="맑은 고딕"/>
+                        </a:defRPr>
                       </a:pPr>
                       <a:r>
-                        <a:rPr kumimoji="1" lang="en-US" altLang="ko-KR" sz="1100" b="0" i="0" u="none" strike="noStrike" kern="1200" cap="none" spc="-100" normalizeH="0" baseline="0" noProof="0" dirty="0" smtClean="0">
-                          <a:ln>
-                            <a:noFill/>
-                          </a:ln>
+                        <a:rPr spc="-100" dirty="0" err="1">
                           <a:solidFill>
                             <a:schemeClr val="tx1"/>
                           </a:solidFill>
-                          <a:effectLst/>
-                          <a:uLnTx/>
-                          <a:uFillTx/>
                           <a:latin typeface="맑은 고딕" panose="020B0503020000020004" pitchFamily="50" charset="-127"/>
                           <a:ea typeface="맑은 고딕" panose="020B0503020000020004" pitchFamily="50" charset="-127"/>
-                          <a:cs typeface="맑은 고딕 Semilight" panose="020B0502040204020203" pitchFamily="50" charset="-127"/>
-                          <a:sym typeface="Wingdings" pitchFamily="2" charset="2"/>
-                        </a:rPr>
-                        <a:t>+3%</a:t>
-                      </a:r>
-                    </a:p>
-                    <a:p>
-                      <a:endParaRPr lang="ko-KR" altLang="en-US" dirty="0">
+                        </a:rPr>
+                        <a:t>전주</a:t>
+                      </a:r>
+                      <a:r>
+                        <a:rPr spc="-100" dirty="0">
+                          <a:solidFill>
+                            <a:schemeClr val="tx1"/>
+                          </a:solidFill>
+                          <a:latin typeface="맑은 고딕" panose="020B0503020000020004" pitchFamily="50" charset="-127"/>
+                          <a:ea typeface="맑은 고딕" panose="020B0503020000020004" pitchFamily="50" charset="-127"/>
+                        </a:rPr>
+                        <a:t> </a:t>
+                      </a:r>
+                      <a:r>
+                        <a:rPr spc="-100" dirty="0" err="1">
+                          <a:solidFill>
+                            <a:schemeClr val="tx1"/>
+                          </a:solidFill>
+                          <a:latin typeface="맑은 고딕" panose="020B0503020000020004" pitchFamily="50" charset="-127"/>
+                          <a:ea typeface="맑은 고딕" panose="020B0503020000020004" pitchFamily="50" charset="-127"/>
+                        </a:rPr>
+                        <a:t>대비</a:t>
+                      </a:r>
+                      <a:endParaRPr spc="-100" dirty="0">
                         <a:solidFill>
                           <a:schemeClr val="tx1"/>
                         </a:solidFill>
+                        <a:latin typeface="맑은 고딕" panose="020B0503020000020004" pitchFamily="50" charset="-127"/>
+                        <a:ea typeface="맑은 고딕" panose="020B0503020000020004" pitchFamily="50" charset="-127"/>
+                      </a:endParaRPr>
+                    </a:p>
+                    <a:p>
+                      <a:pPr algn="ctr" defTabSz="384175">
+                        <a:spcBef>
+                          <a:spcPts val="300"/>
+                        </a:spcBef>
+                        <a:defRPr sz="1100" spc="-100">
+                          <a:latin typeface="+mn-lt"/>
+                          <a:ea typeface="+mn-ea"/>
+                          <a:cs typeface="+mn-cs"/>
+                          <a:sym typeface="맑은 고딕"/>
+                        </a:defRPr>
+                      </a:pPr>
+                      <a:r>
+                        <a:rPr lang="en-US" spc="-100" dirty="0" smtClean="0">
+                          <a:solidFill>
+                            <a:schemeClr val="tx1"/>
+                          </a:solidFill>
+                          <a:latin typeface="맑은 고딕" panose="020B0503020000020004" pitchFamily="50" charset="-127"/>
+                          <a:ea typeface="맑은 고딕" panose="020B0503020000020004" pitchFamily="50" charset="-127"/>
+                        </a:rPr>
+                        <a:t>+2</a:t>
+                      </a:r>
+                      <a:r>
+                        <a:rPr spc="-100" dirty="0" smtClean="0">
+                          <a:solidFill>
+                            <a:schemeClr val="tx1"/>
+                          </a:solidFill>
+                          <a:latin typeface="맑은 고딕" panose="020B0503020000020004" pitchFamily="50" charset="-127"/>
+                          <a:ea typeface="맑은 고딕" panose="020B0503020000020004" pitchFamily="50" charset="-127"/>
+                        </a:rPr>
+                        <a:t>%</a:t>
+                      </a:r>
+                      <a:endParaRPr spc="-100" dirty="0">
+                        <a:solidFill>
+                          <a:schemeClr val="tx1"/>
+                        </a:solidFill>
+                        <a:latin typeface="맑은 고딕" panose="020B0503020000020004" pitchFamily="50" charset="-127"/>
+                        <a:ea typeface="맑은 고딕" panose="020B0503020000020004" pitchFamily="50" charset="-127"/>
                       </a:endParaRPr>
                     </a:p>
                   </a:txBody>
@@ -6479,8 +7047,7 @@
                     <a:bodyPr/>
                     <a:lstStyle/>
                     <a:p>
-                      <a:pPr latinLnBrk="1"/>
-                      <a:endParaRPr lang="ko-KR" altLang="en-US" dirty="0"/>
+                      <a:endParaRPr lang="ko-KR"/>
                     </a:p>
                   </a:txBody>
                   <a:tcPr/>
